--- a/courses/compilers/lectures/A-overview.pptx
+++ b/courses/compilers/lectures/A-overview.pptx
@@ -5,10 +5,10 @@
     <p:sldMasterId id="2147483784" r:id="rId1"/>
   </p:sldMasterIdLst>
   <p:notesMasterIdLst>
-    <p:notesMasterId r:id="rId45"/>
+    <p:notesMasterId r:id="rId37"/>
   </p:notesMasterIdLst>
   <p:handoutMasterIdLst>
-    <p:handoutMasterId r:id="rId46"/>
+    <p:handoutMasterId r:id="rId38"/>
   </p:handoutMasterIdLst>
   <p:sldIdLst>
     <p:sldId id="256" r:id="rId2"/>
@@ -44,21 +44,13 @@
     <p:sldId id="308" r:id="rId32"/>
     <p:sldId id="305" r:id="rId33"/>
     <p:sldId id="345" r:id="rId34"/>
-    <p:sldId id="350" r:id="rId35"/>
-    <p:sldId id="354" r:id="rId36"/>
-    <p:sldId id="355" r:id="rId37"/>
-    <p:sldId id="351" r:id="rId38"/>
-    <p:sldId id="348" r:id="rId39"/>
-    <p:sldId id="356" r:id="rId40"/>
-    <p:sldId id="347" r:id="rId41"/>
-    <p:sldId id="352" r:id="rId42"/>
-    <p:sldId id="295" r:id="rId43"/>
-    <p:sldId id="299" r:id="rId44"/>
+    <p:sldId id="352" r:id="rId35"/>
+    <p:sldId id="299" r:id="rId36"/>
   </p:sldIdLst>
   <p:sldSz cx="9144000" cy="6858000" type="screen4x3"/>
   <p:notesSz cx="6934200" cy="9220200"/>
   <p:custDataLst>
-    <p:tags r:id="rId47"/>
+    <p:tags r:id="rId39"/>
   </p:custDataLst>
   <p:defaultTextStyle>
     <a:defPPr>
@@ -1826,7 +1818,7 @@
             </a:pPr>
             <a:fld id="{D63896B5-04A6-894D-B9CA-FAEC9540B588}" type="datetime1">
               <a:rPr lang="en-US" smtClean="0"/>
-              <a:t>4/1/19</a:t>
+              <a:t>4/8/19</a:t>
             </a:fld>
             <a:endParaRPr lang="en-US"/>
           </a:p>
@@ -1988,7 +1980,7 @@
             </a:pPr>
             <a:fld id="{44F375B8-4529-704A-A895-9532F0D36785}" type="datetime1">
               <a:rPr lang="en-US" smtClean="0"/>
-              <a:t>4/1/19</a:t>
+              <a:t>4/8/19</a:t>
             </a:fld>
             <a:endParaRPr lang="en-US"/>
           </a:p>
@@ -2160,7 +2152,7 @@
             </a:pPr>
             <a:fld id="{60D1FCB9-18EC-2B4C-9CBC-0768151238E1}" type="datetime1">
               <a:rPr lang="en-US" smtClean="0"/>
-              <a:t>4/1/19</a:t>
+              <a:t>4/8/19</a:t>
             </a:fld>
             <a:endParaRPr lang="en-US"/>
           </a:p>
@@ -2326,7 +2318,7 @@
             </a:pPr>
             <a:fld id="{3F957124-DF84-B547-BB2D-896EECF8AA9C}" type="datetime1">
               <a:rPr lang="en-US" smtClean="0"/>
-              <a:t>4/1/19</a:t>
+              <a:t>4/8/19</a:t>
             </a:fld>
             <a:endParaRPr lang="en-US"/>
           </a:p>
@@ -2565,7 +2557,7 @@
             </a:pPr>
             <a:fld id="{933F6E76-A5B4-9045-8A12-E28496A55F69}" type="datetime1">
               <a:rPr lang="en-US" smtClean="0"/>
-              <a:t>4/1/19</a:t>
+              <a:t>4/8/19</a:t>
             </a:fld>
             <a:endParaRPr lang="en-US"/>
           </a:p>
@@ -2844,7 +2836,7 @@
             </a:pPr>
             <a:fld id="{E5873783-48D3-D141-8B8F-96051454D15A}" type="datetime1">
               <a:rPr lang="en-US" smtClean="0"/>
-              <a:t>4/1/19</a:t>
+              <a:t>4/8/19</a:t>
             </a:fld>
             <a:endParaRPr lang="en-US"/>
           </a:p>
@@ -3257,7 +3249,7 @@
             </a:pPr>
             <a:fld id="{FE22DBD2-8E4A-A44E-8636-4CD063BE2B19}" type="datetime1">
               <a:rPr lang="en-US" smtClean="0"/>
-              <a:t>4/1/19</a:t>
+              <a:t>4/8/19</a:t>
             </a:fld>
             <a:endParaRPr lang="en-US"/>
           </a:p>
@@ -3368,7 +3360,7 @@
             </a:pPr>
             <a:fld id="{6D662F23-7907-9743-BC06-9520F60FD1CB}" type="datetime1">
               <a:rPr lang="en-US" smtClean="0"/>
-              <a:t>4/1/19</a:t>
+              <a:t>4/8/19</a:t>
             </a:fld>
             <a:endParaRPr lang="en-US"/>
           </a:p>
@@ -3457,7 +3449,7 @@
             </a:pPr>
             <a:fld id="{E22FDDFC-32C8-CC48-A2F3-0DC544BEB9F0}" type="datetime1">
               <a:rPr lang="en-US" smtClean="0"/>
-              <a:t>4/1/19</a:t>
+              <a:t>4/8/19</a:t>
             </a:fld>
             <a:endParaRPr lang="en-US"/>
           </a:p>
@@ -3726,7 +3718,7 @@
             </a:pPr>
             <a:fld id="{F696C090-C150-B24D-8740-2780F91E820E}" type="datetime1">
               <a:rPr lang="en-US" smtClean="0"/>
-              <a:t>4/1/19</a:t>
+              <a:t>4/8/19</a:t>
             </a:fld>
             <a:endParaRPr lang="en-US"/>
           </a:p>
@@ -3972,7 +3964,7 @@
             </a:pPr>
             <a:fld id="{24AF1572-4921-D845-869B-9E96D8F17248}" type="datetime1">
               <a:rPr lang="en-US" smtClean="0"/>
-              <a:t>4/1/19</a:t>
+              <a:t>4/8/19</a:t>
             </a:fld>
             <a:endParaRPr lang="en-US"/>
           </a:p>
@@ -4177,7 +4169,7 @@
             </a:pPr>
             <a:fld id="{02F36310-5B19-0741-AB52-4BEDD927A94A}" type="datetime1">
               <a:rPr lang="en-US" smtClean="0"/>
-              <a:t>4/1/19</a:t>
+              <a:t>4/8/19</a:t>
             </a:fld>
             <a:endParaRPr lang="en-US"/>
           </a:p>
@@ -12572,1409 +12564,6 @@
       </p:grpSpPr>
       <p:sp>
         <p:nvSpPr>
-          <p:cNvPr id="10242" name="Rectangle 7"/>
-          <p:cNvSpPr>
-            <a:spLocks noGrp="1" noChangeArrowheads="1"/>
-          </p:cNvSpPr>
-          <p:nvPr>
-            <p:ph type="title"/>
-            <p:custDataLst>
-              <p:tags r:id="rId1"/>
-            </p:custDataLst>
-          </p:nvPr>
-        </p:nvSpPr>
-        <p:spPr/>
-        <p:txBody>
-          <a:bodyPr/>
-          <a:lstStyle/>
-          <a:p>
-            <a:r>
-              <a:rPr lang="en-US" dirty="0"/>
-              <a:t>Course Project</a:t>
-            </a:r>
-          </a:p>
-        </p:txBody>
-      </p:sp>
-      <p:sp>
-        <p:nvSpPr>
-          <p:cNvPr id="10243" name="Rectangle 8"/>
-          <p:cNvSpPr>
-            <a:spLocks noGrp="1" noChangeArrowheads="1"/>
-          </p:cNvSpPr>
-          <p:nvPr>
-            <p:ph idx="1"/>
-            <p:custDataLst>
-              <p:tags r:id="rId2"/>
-            </p:custDataLst>
-          </p:nvPr>
-        </p:nvSpPr>
-        <p:spPr/>
-        <p:txBody>
-          <a:bodyPr>
-            <a:normAutofit fontScale="92500"/>
-          </a:bodyPr>
-          <a:lstStyle/>
-          <a:p>
-            <a:r>
-              <a:rPr lang="en-US" dirty="0"/>
-              <a:t>Best way to learn about compilers is to build one</a:t>
-            </a:r>
-          </a:p>
-          <a:p>
-            <a:r>
-              <a:rPr lang="en-US" dirty="0"/>
-              <a:t>Course project</a:t>
-            </a:r>
-          </a:p>
-          <a:p>
-            <a:pPr lvl="1"/>
-            <a:r>
-              <a:rPr lang="en-US" dirty="0" err="1"/>
-              <a:t>MiniJava</a:t>
-            </a:r>
-            <a:r>
-              <a:rPr lang="en-US" dirty="0"/>
-              <a:t> compiler: classes, objects, etc.</a:t>
-            </a:r>
-          </a:p>
-          <a:p>
-            <a:pPr lvl="2"/>
-            <a:r>
-              <a:rPr lang="en-US" dirty="0"/>
-              <a:t>Core parts of Java – essentials only</a:t>
-            </a:r>
-          </a:p>
-          <a:p>
-            <a:pPr lvl="2"/>
-            <a:r>
-              <a:rPr lang="en-US" dirty="0"/>
-              <a:t>Originally from </a:t>
-            </a:r>
-            <a:r>
-              <a:rPr lang="en-US" dirty="0" err="1"/>
-              <a:t>Appel</a:t>
-            </a:r>
-            <a:r>
-              <a:rPr lang="en-US" dirty="0"/>
-              <a:t> textbook (but you won’t need that)</a:t>
-            </a:r>
-          </a:p>
-          <a:p>
-            <a:pPr lvl="1"/>
-            <a:r>
-              <a:rPr lang="en-US" dirty="0"/>
-              <a:t>Generate executable x86-64 code &amp; run it</a:t>
-            </a:r>
-          </a:p>
-          <a:p>
-            <a:pPr lvl="1"/>
-            <a:r>
-              <a:rPr lang="en-US" dirty="0"/>
-              <a:t>Every legal </a:t>
-            </a:r>
-            <a:r>
-              <a:rPr lang="en-US" dirty="0" err="1"/>
-              <a:t>MiniJava</a:t>
-            </a:r>
-            <a:r>
-              <a:rPr lang="en-US" dirty="0"/>
-              <a:t> program is also legal regular Java – compare results from your project with </a:t>
-            </a:r>
-            <a:r>
-              <a:rPr lang="en-US" dirty="0" err="1"/>
-              <a:t>javac</a:t>
-            </a:r>
-            <a:r>
-              <a:rPr lang="en-US" dirty="0"/>
-              <a:t>/java</a:t>
-            </a:r>
-          </a:p>
-          <a:p>
-            <a:pPr lvl="1"/>
-            <a:endParaRPr lang="en-US" dirty="0"/>
-          </a:p>
-        </p:txBody>
-      </p:sp>
-      <p:sp>
-        <p:nvSpPr>
-          <p:cNvPr id="10246" name="Slide Number Placeholder 5"/>
-          <p:cNvSpPr>
-            <a:spLocks noGrp="1"/>
-          </p:cNvSpPr>
-          <p:nvPr>
-            <p:ph type="sldNum" sz="quarter" idx="12"/>
-            <p:custDataLst>
-              <p:tags r:id="rId3"/>
-            </p:custDataLst>
-          </p:nvPr>
-        </p:nvSpPr>
-        <p:spPr>
-          <a:noFill/>
-        </p:spPr>
-        <p:txBody>
-          <a:bodyPr/>
-          <a:lstStyle/>
-          <a:p>
-            <a:r>
-              <a:rPr lang="en-US"/>
-              <a:t>A-</a:t>
-            </a:r>
-            <a:fld id="{02C16C80-6CC4-4054-B89C-CA25AE758AD2}" type="slidenum">
-              <a:rPr lang="en-US" smtClean="0"/>
-              <a:pPr/>
-              <a:t>34</a:t>
-            </a:fld>
-            <a:endParaRPr lang="en-US"/>
-          </a:p>
-        </p:txBody>
-      </p:sp>
-    </p:spTree>
-    <p:extLst>
-      <p:ext uri="{BB962C8B-B14F-4D97-AF65-F5344CB8AC3E}">
-        <p14:creationId xmlns:p14="http://schemas.microsoft.com/office/powerpoint/2010/main" val="2335075517"/>
-      </p:ext>
-    </p:extLst>
-  </p:cSld>
-  <p:clrMapOvr>
-    <a:masterClrMapping/>
-  </p:clrMapOvr>
-</p:sld>
-</file>
-
-<file path=ppt/slides/slide35.xml><?xml version="1.0" encoding="utf-8"?>
-<p:sld xmlns:a="http://schemas.openxmlformats.org/drawingml/2006/main" xmlns:r="http://schemas.openxmlformats.org/officeDocument/2006/relationships" xmlns:p="http://schemas.openxmlformats.org/presentationml/2006/main">
-  <p:cSld>
-    <p:spTree>
-      <p:nvGrpSpPr>
-        <p:cNvPr id="1" name=""/>
-        <p:cNvGrpSpPr/>
-        <p:nvPr/>
-      </p:nvGrpSpPr>
-      <p:grpSpPr>
-        <a:xfrm>
-          <a:off x="0" y="0"/>
-          <a:ext cx="0" cy="0"/>
-          <a:chOff x="0" y="0"/>
-          <a:chExt cx="0" cy="0"/>
-        </a:xfrm>
-      </p:grpSpPr>
-      <p:sp>
-        <p:nvSpPr>
-          <p:cNvPr id="10242" name="Rectangle 7"/>
-          <p:cNvSpPr>
-            <a:spLocks noGrp="1" noChangeArrowheads="1"/>
-          </p:cNvSpPr>
-          <p:nvPr>
-            <p:ph type="title"/>
-            <p:custDataLst>
-              <p:tags r:id="rId1"/>
-            </p:custDataLst>
-          </p:nvPr>
-        </p:nvSpPr>
-        <p:spPr/>
-        <p:txBody>
-          <a:bodyPr/>
-          <a:lstStyle/>
-          <a:p>
-            <a:r>
-              <a:rPr lang="en-US" dirty="0"/>
-              <a:t>Project Scope</a:t>
-            </a:r>
-          </a:p>
-        </p:txBody>
-      </p:sp>
-      <p:sp>
-        <p:nvSpPr>
-          <p:cNvPr id="10243" name="Rectangle 8"/>
-          <p:cNvSpPr>
-            <a:spLocks noGrp="1" noChangeArrowheads="1"/>
-          </p:cNvSpPr>
-          <p:nvPr>
-            <p:ph idx="1"/>
-            <p:custDataLst>
-              <p:tags r:id="rId2"/>
-            </p:custDataLst>
-          </p:nvPr>
-        </p:nvSpPr>
-        <p:spPr/>
-        <p:txBody>
-          <a:bodyPr>
-            <a:normAutofit fontScale="92500" lnSpcReduction="10000"/>
-          </a:bodyPr>
-          <a:lstStyle/>
-          <a:p>
-            <a:r>
-              <a:rPr lang="en-US" dirty="0"/>
-              <a:t>Goal: large enough to be interesting and capture key concepts; small enough to do in 10 weeks</a:t>
-            </a:r>
-          </a:p>
-          <a:p>
-            <a:r>
-              <a:rPr lang="en-US" dirty="0"/>
-              <a:t>Completed in steps through the quarter</a:t>
-            </a:r>
-          </a:p>
-          <a:p>
-            <a:pPr lvl="1"/>
-            <a:r>
-              <a:rPr lang="en-US" dirty="0"/>
-              <a:t>Where you wind up at the end is the most important</a:t>
-            </a:r>
-          </a:p>
-          <a:p>
-            <a:pPr lvl="1"/>
-            <a:r>
-              <a:rPr lang="en-US" dirty="0"/>
-              <a:t>Intermediate milestone deadlines to keep you on schedule and provide feedback at important points</a:t>
-            </a:r>
-          </a:p>
-          <a:p>
-            <a:pPr lvl="1"/>
-            <a:r>
-              <a:rPr lang="en-US" dirty="0"/>
-              <a:t>Evaluation is weighted towards final results but milestone results count</a:t>
-            </a:r>
-          </a:p>
-          <a:p>
-            <a:r>
-              <a:rPr lang="en-US" dirty="0"/>
-              <a:t>Core requirements, then open-ended if you have time for extensions</a:t>
-            </a:r>
-          </a:p>
-        </p:txBody>
-      </p:sp>
-      <p:sp>
-        <p:nvSpPr>
-          <p:cNvPr id="10246" name="Slide Number Placeholder 5"/>
-          <p:cNvSpPr>
-            <a:spLocks noGrp="1"/>
-          </p:cNvSpPr>
-          <p:nvPr>
-            <p:ph type="sldNum" sz="quarter" idx="12"/>
-            <p:custDataLst>
-              <p:tags r:id="rId3"/>
-            </p:custDataLst>
-          </p:nvPr>
-        </p:nvSpPr>
-        <p:spPr>
-          <a:noFill/>
-        </p:spPr>
-        <p:txBody>
-          <a:bodyPr/>
-          <a:lstStyle/>
-          <a:p>
-            <a:r>
-              <a:rPr lang="en-US"/>
-              <a:t>A-</a:t>
-            </a:r>
-            <a:fld id="{02C16C80-6CC4-4054-B89C-CA25AE758AD2}" type="slidenum">
-              <a:rPr lang="en-US" smtClean="0"/>
-              <a:pPr/>
-              <a:t>35</a:t>
-            </a:fld>
-            <a:endParaRPr lang="en-US"/>
-          </a:p>
-        </p:txBody>
-      </p:sp>
-    </p:spTree>
-    <p:extLst>
-      <p:ext uri="{BB962C8B-B14F-4D97-AF65-F5344CB8AC3E}">
-        <p14:creationId xmlns:p14="http://schemas.microsoft.com/office/powerpoint/2010/main" val="3829053465"/>
-      </p:ext>
-    </p:extLst>
-  </p:cSld>
-  <p:clrMapOvr>
-    <a:masterClrMapping/>
-  </p:clrMapOvr>
-</p:sld>
-</file>
-
-<file path=ppt/slides/slide36.xml><?xml version="1.0" encoding="utf-8"?>
-<p:sld xmlns:a="http://schemas.openxmlformats.org/drawingml/2006/main" xmlns:r="http://schemas.openxmlformats.org/officeDocument/2006/relationships" xmlns:p="http://schemas.openxmlformats.org/presentationml/2006/main">
-  <p:cSld>
-    <p:spTree>
-      <p:nvGrpSpPr>
-        <p:cNvPr id="1" name=""/>
-        <p:cNvGrpSpPr/>
-        <p:nvPr/>
-      </p:nvGrpSpPr>
-      <p:grpSpPr>
-        <a:xfrm>
-          <a:off x="0" y="0"/>
-          <a:ext cx="0" cy="0"/>
-          <a:chOff x="0" y="0"/>
-          <a:chExt cx="0" cy="0"/>
-        </a:xfrm>
-      </p:grpSpPr>
-      <p:sp>
-        <p:nvSpPr>
-          <p:cNvPr id="2" name="Title 1"/>
-          <p:cNvSpPr>
-            <a:spLocks noGrp="1"/>
-          </p:cNvSpPr>
-          <p:nvPr>
-            <p:ph type="title"/>
-          </p:nvPr>
-        </p:nvSpPr>
-        <p:spPr/>
-        <p:txBody>
-          <a:bodyPr/>
-          <a:lstStyle/>
-          <a:p>
-            <a:r>
-              <a:rPr lang="en-US" dirty="0"/>
-              <a:t>Project Implementation</a:t>
-            </a:r>
-          </a:p>
-        </p:txBody>
-      </p:sp>
-      <p:sp>
-        <p:nvSpPr>
-          <p:cNvPr id="3" name="Content Placeholder 2"/>
-          <p:cNvSpPr>
-            <a:spLocks noGrp="1"/>
-          </p:cNvSpPr>
-          <p:nvPr>
-            <p:ph idx="1"/>
-          </p:nvPr>
-        </p:nvSpPr>
-        <p:spPr/>
-        <p:txBody>
-          <a:bodyPr>
-            <a:normAutofit fontScale="85000" lnSpcReduction="10000"/>
-          </a:bodyPr>
-          <a:lstStyle/>
-          <a:p>
-            <a:r>
-              <a:rPr lang="en-US" dirty="0"/>
-              <a:t>Default is Java 8 with </a:t>
-            </a:r>
-            <a:r>
-              <a:rPr lang="en-US" dirty="0" err="1"/>
-              <a:t>JFlex</a:t>
-            </a:r>
-            <a:r>
-              <a:rPr lang="en-US" dirty="0"/>
-              <a:t>, CUP scanner/parser tools</a:t>
-            </a:r>
-          </a:p>
-          <a:p>
-            <a:pPr lvl="1"/>
-            <a:r>
-              <a:rPr lang="en-US" dirty="0"/>
-              <a:t>Choice of editors/environments up to you</a:t>
-            </a:r>
-          </a:p>
-          <a:p>
-            <a:r>
-              <a:rPr lang="en-US" dirty="0"/>
-              <a:t>Somewhat open to alternatives – check with course staff – but you assume some risk of the unknown</a:t>
-            </a:r>
-          </a:p>
-          <a:p>
-            <a:pPr lvl="1"/>
-            <a:r>
-              <a:rPr lang="en-US" dirty="0"/>
-              <a:t>Have had successful past projects using C#, F#, Haskell, ML, others (even Python &amp; Ruby!)</a:t>
-            </a:r>
-          </a:p>
-          <a:p>
-            <a:pPr lvl="1"/>
-            <a:r>
-              <a:rPr lang="en-US" dirty="0"/>
-              <a:t>You need to be sure there are Lex/</a:t>
-            </a:r>
-            <a:r>
-              <a:rPr lang="en-US" dirty="0" err="1"/>
-              <a:t>Yacc</a:t>
-            </a:r>
-            <a:r>
-              <a:rPr lang="en-US" dirty="0"/>
-              <a:t>, Flex/Bison work-alike compiler tools available</a:t>
-            </a:r>
-          </a:p>
-          <a:p>
-            <a:pPr lvl="1"/>
-            <a:r>
-              <a:rPr lang="en-US" dirty="0"/>
-              <a:t>Your compiler has to “work” the same as the regular ones (startup, command options, etc.)</a:t>
-            </a:r>
-          </a:p>
-          <a:p>
-            <a:pPr lvl="1"/>
-            <a:r>
-              <a:rPr lang="en-US" dirty="0"/>
-              <a:t>Course staff will help as best we can but no guarantees</a:t>
-            </a:r>
-          </a:p>
-        </p:txBody>
-      </p:sp>
-      <p:sp>
-        <p:nvSpPr>
-          <p:cNvPr id="5" name="Slide Number Placeholder 4"/>
-          <p:cNvSpPr>
-            <a:spLocks noGrp="1"/>
-          </p:cNvSpPr>
-          <p:nvPr>
-            <p:ph type="sldNum" sz="quarter" idx="12"/>
-          </p:nvPr>
-        </p:nvSpPr>
-        <p:spPr/>
-        <p:txBody>
-          <a:bodyPr/>
-          <a:lstStyle/>
-          <a:p>
-            <a:pPr>
-              <a:defRPr/>
-            </a:pPr>
-            <a:r>
-              <a:rPr lang="en-US"/>
-              <a:t>A-</a:t>
-            </a:r>
-            <a:fld id="{002AD64E-618B-41CB-865B-DB6E4FCC0BC5}" type="slidenum">
-              <a:rPr lang="en-US" smtClean="0"/>
-              <a:pPr>
-                <a:defRPr/>
-              </a:pPr>
-              <a:t>36</a:t>
-            </a:fld>
-            <a:endParaRPr lang="en-US"/>
-          </a:p>
-        </p:txBody>
-      </p:sp>
-    </p:spTree>
-    <p:extLst>
-      <p:ext uri="{BB962C8B-B14F-4D97-AF65-F5344CB8AC3E}">
-        <p14:creationId xmlns:p14="http://schemas.microsoft.com/office/powerpoint/2010/main" val="1267495627"/>
-      </p:ext>
-    </p:extLst>
-  </p:cSld>
-  <p:clrMapOvr>
-    <a:masterClrMapping/>
-  </p:clrMapOvr>
-</p:sld>
-</file>
-
-<file path=ppt/slides/slide37.xml><?xml version="1.0" encoding="utf-8"?>
-<p:sld xmlns:a="http://schemas.openxmlformats.org/drawingml/2006/main" xmlns:r="http://schemas.openxmlformats.org/officeDocument/2006/relationships" xmlns:p="http://schemas.openxmlformats.org/presentationml/2006/main">
-  <p:cSld>
-    <p:spTree>
-      <p:nvGrpSpPr>
-        <p:cNvPr id="1" name=""/>
-        <p:cNvGrpSpPr/>
-        <p:nvPr/>
-      </p:nvGrpSpPr>
-      <p:grpSpPr>
-        <a:xfrm>
-          <a:off x="0" y="0"/>
-          <a:ext cx="0" cy="0"/>
-          <a:chOff x="0" y="0"/>
-          <a:chExt cx="0" cy="0"/>
-        </a:xfrm>
-      </p:grpSpPr>
-      <p:sp>
-        <p:nvSpPr>
-          <p:cNvPr id="11269" name="Rectangle 2"/>
-          <p:cNvSpPr>
-            <a:spLocks noGrp="1" noChangeArrowheads="1"/>
-          </p:cNvSpPr>
-          <p:nvPr>
-            <p:ph type="title"/>
-            <p:custDataLst>
-              <p:tags r:id="rId1"/>
-            </p:custDataLst>
-          </p:nvPr>
-        </p:nvSpPr>
-        <p:spPr/>
-        <p:txBody>
-          <a:bodyPr/>
-          <a:lstStyle/>
-          <a:p>
-            <a:r>
-              <a:rPr lang="en-US"/>
-              <a:t>Project Groups &amp; Repositories</a:t>
-            </a:r>
-            <a:endParaRPr lang="en-US" dirty="0"/>
-          </a:p>
-        </p:txBody>
-      </p:sp>
-      <p:sp>
-        <p:nvSpPr>
-          <p:cNvPr id="11270" name="Rectangle 3"/>
-          <p:cNvSpPr>
-            <a:spLocks noGrp="1" noChangeArrowheads="1"/>
-          </p:cNvSpPr>
-          <p:nvPr>
-            <p:ph idx="1"/>
-            <p:custDataLst>
-              <p:tags r:id="rId2"/>
-            </p:custDataLst>
-          </p:nvPr>
-        </p:nvSpPr>
-        <p:spPr/>
-        <p:txBody>
-          <a:bodyPr>
-            <a:normAutofit fontScale="85000" lnSpcReduction="10000"/>
-          </a:bodyPr>
-          <a:lstStyle/>
-          <a:p>
-            <a:r>
-              <a:rPr lang="en-US" dirty="0"/>
-              <a:t>You should work in groups of 2</a:t>
-            </a:r>
-          </a:p>
-          <a:p>
-            <a:pPr lvl="1"/>
-            <a:r>
-              <a:rPr lang="en-US" dirty="0"/>
-              <a:t>Pick a partner now to work with throughout quarter</a:t>
-            </a:r>
-          </a:p>
-          <a:p>
-            <a:pPr lvl="2"/>
-            <a:r>
-              <a:rPr lang="en-US" dirty="0"/>
-              <a:t>Suggestion: use discussion board to locate partners?</a:t>
-            </a:r>
-          </a:p>
-          <a:p>
-            <a:pPr lvl="1"/>
-            <a:r>
-              <a:rPr lang="en-US" dirty="0"/>
-              <a:t>Have had some people do the project solo, but it is easy to underestimate effort needed &amp; it is real helpful to have someone to talk to about details</a:t>
-            </a:r>
-          </a:p>
-          <a:p>
-            <a:r>
-              <a:rPr lang="en-US" dirty="0"/>
-              <a:t>All groups </a:t>
-            </a:r>
-            <a:r>
-              <a:rPr lang="en-US" i="1" dirty="0"/>
-              <a:t>must</a:t>
-            </a:r>
-            <a:r>
-              <a:rPr lang="en-US" dirty="0"/>
-              <a:t> use course repositories on CSE </a:t>
-            </a:r>
-            <a:r>
-              <a:rPr lang="en-US" dirty="0" err="1"/>
-              <a:t>GitLab</a:t>
-            </a:r>
-            <a:r>
-              <a:rPr lang="en-US" dirty="0"/>
-              <a:t> server to store their projects.  We’ll access files from there for evaluation (&amp; to help with project)</a:t>
-            </a:r>
-          </a:p>
-          <a:p>
-            <a:r>
-              <a:rPr lang="en-US" dirty="0"/>
-              <a:t>By early next week, fill out partner info form on course web so we can set up groups and repositories</a:t>
-            </a:r>
-          </a:p>
-        </p:txBody>
-      </p:sp>
-      <p:sp>
-        <p:nvSpPr>
-          <p:cNvPr id="11268" name="Slide Number Placeholder 5"/>
-          <p:cNvSpPr>
-            <a:spLocks noGrp="1"/>
-          </p:cNvSpPr>
-          <p:nvPr>
-            <p:ph type="sldNum" sz="quarter" idx="12"/>
-            <p:custDataLst>
-              <p:tags r:id="rId3"/>
-            </p:custDataLst>
-          </p:nvPr>
-        </p:nvSpPr>
-        <p:spPr/>
-        <p:txBody>
-          <a:bodyPr/>
-          <a:lstStyle/>
-          <a:p>
-            <a:r>
-              <a:rPr lang="en-US"/>
-              <a:t>A-</a:t>
-            </a:r>
-            <a:fld id="{33534428-E326-4129-B248-33678A51C823}" type="slidenum">
-              <a:rPr lang="en-US" smtClean="0"/>
-              <a:pPr/>
-              <a:t>37</a:t>
-            </a:fld>
-            <a:endParaRPr lang="en-US"/>
-          </a:p>
-        </p:txBody>
-      </p:sp>
-    </p:spTree>
-    <p:extLst>
-      <p:ext uri="{BB962C8B-B14F-4D97-AF65-F5344CB8AC3E}">
-        <p14:creationId xmlns:p14="http://schemas.microsoft.com/office/powerpoint/2010/main" val="3011376546"/>
-      </p:ext>
-    </p:extLst>
-  </p:cSld>
-  <p:clrMapOvr>
-    <a:masterClrMapping/>
-  </p:clrMapOvr>
-</p:sld>
-</file>
-
-<file path=ppt/slides/slide38.xml><?xml version="1.0" encoding="utf-8"?>
-<p:sld xmlns:a="http://schemas.openxmlformats.org/drawingml/2006/main" xmlns:r="http://schemas.openxmlformats.org/officeDocument/2006/relationships" xmlns:p="http://schemas.openxmlformats.org/presentationml/2006/main">
-  <p:cSld>
-    <p:spTree>
-      <p:nvGrpSpPr>
-        <p:cNvPr id="1" name=""/>
-        <p:cNvGrpSpPr/>
-        <p:nvPr/>
-      </p:nvGrpSpPr>
-      <p:grpSpPr>
-        <a:xfrm>
-          <a:off x="0" y="0"/>
-          <a:ext cx="0" cy="0"/>
-          <a:chOff x="0" y="0"/>
-          <a:chExt cx="0" cy="0"/>
-        </a:xfrm>
-      </p:grpSpPr>
-      <p:sp>
-        <p:nvSpPr>
-          <p:cNvPr id="13314" name="Rectangle 2"/>
-          <p:cNvSpPr>
-            <a:spLocks noGrp="1" noChangeArrowheads="1"/>
-          </p:cNvSpPr>
-          <p:nvPr>
-            <p:ph type="title"/>
-            <p:custDataLst>
-              <p:tags r:id="rId1"/>
-            </p:custDataLst>
-          </p:nvPr>
-        </p:nvSpPr>
-        <p:spPr/>
-        <p:txBody>
-          <a:bodyPr/>
-          <a:lstStyle/>
-          <a:p>
-            <a:r>
-              <a:rPr lang="en-US"/>
-              <a:t>Requirements &amp; Grading</a:t>
-            </a:r>
-          </a:p>
-        </p:txBody>
-      </p:sp>
-      <p:sp>
-        <p:nvSpPr>
-          <p:cNvPr id="13315" name="Rectangle 3"/>
-          <p:cNvSpPr>
-            <a:spLocks noGrp="1" noChangeArrowheads="1"/>
-          </p:cNvSpPr>
-          <p:nvPr>
-            <p:ph idx="1"/>
-            <p:custDataLst>
-              <p:tags r:id="rId2"/>
-            </p:custDataLst>
-          </p:nvPr>
-        </p:nvSpPr>
-        <p:spPr/>
-        <p:txBody>
-          <a:bodyPr>
-            <a:normAutofit/>
-          </a:bodyPr>
-          <a:lstStyle/>
-          <a:p>
-            <a:r>
-              <a:rPr lang="en-US" dirty="0"/>
-              <a:t>Roughly</a:t>
-            </a:r>
-          </a:p>
-          <a:p>
-            <a:pPr lvl="1"/>
-            <a:r>
-              <a:rPr lang="en-US" dirty="0"/>
-              <a:t>50% project</a:t>
-            </a:r>
-          </a:p>
-          <a:p>
-            <a:pPr lvl="1"/>
-            <a:r>
-              <a:rPr lang="en-US" dirty="0"/>
-              <a:t>20% individual written homework</a:t>
-            </a:r>
-          </a:p>
-          <a:p>
-            <a:pPr lvl="1"/>
-            <a:r>
-              <a:rPr lang="en-US" dirty="0"/>
-              <a:t>25% exam (Thursday, May 24 – extra class session)</a:t>
-            </a:r>
-          </a:p>
-          <a:p>
-            <a:pPr lvl="1"/>
-            <a:r>
-              <a:rPr lang="en-US" dirty="0"/>
-              <a:t>5% other/discretionary</a:t>
-            </a:r>
-          </a:p>
-          <a:p>
-            <a:pPr lvl="1">
-              <a:buFont typeface="Wingdings" pitchFamily="2" charset="2"/>
-              <a:buNone/>
-            </a:pPr>
-            <a:r>
-              <a:rPr lang="en-US" sz="2000" dirty="0"/>
-              <a:t>We reserve the right to adjust as needed</a:t>
-            </a:r>
-          </a:p>
-        </p:txBody>
-      </p:sp>
-      <p:sp>
-        <p:nvSpPr>
-          <p:cNvPr id="13318" name="Slide Number Placeholder 5"/>
-          <p:cNvSpPr>
-            <a:spLocks noGrp="1"/>
-          </p:cNvSpPr>
-          <p:nvPr>
-            <p:ph type="sldNum" sz="quarter" idx="12"/>
-            <p:custDataLst>
-              <p:tags r:id="rId3"/>
-            </p:custDataLst>
-          </p:nvPr>
-        </p:nvSpPr>
-        <p:spPr>
-          <a:noFill/>
-        </p:spPr>
-        <p:txBody>
-          <a:bodyPr/>
-          <a:lstStyle/>
-          <a:p>
-            <a:r>
-              <a:rPr lang="en-US"/>
-              <a:t>A-</a:t>
-            </a:r>
-            <a:fld id="{2D1C1E56-2D47-43C7-8B8C-BC1B9DDBAABE}" type="slidenum">
-              <a:rPr lang="en-US" smtClean="0"/>
-              <a:pPr/>
-              <a:t>38</a:t>
-            </a:fld>
-            <a:endParaRPr lang="en-US"/>
-          </a:p>
-        </p:txBody>
-      </p:sp>
-    </p:spTree>
-    <p:extLst>
-      <p:ext uri="{BB962C8B-B14F-4D97-AF65-F5344CB8AC3E}">
-        <p14:creationId xmlns:p14="http://schemas.microsoft.com/office/powerpoint/2010/main" val="3000945554"/>
-      </p:ext>
-    </p:extLst>
-  </p:cSld>
-  <p:clrMapOvr>
-    <a:masterClrMapping/>
-  </p:clrMapOvr>
-</p:sld>
-</file>
-
-<file path=ppt/slides/slide39.xml><?xml version="1.0" encoding="utf-8"?>
-<p:sld xmlns:a="http://schemas.openxmlformats.org/drawingml/2006/main" xmlns:r="http://schemas.openxmlformats.org/officeDocument/2006/relationships" xmlns:p="http://schemas.openxmlformats.org/presentationml/2006/main">
-  <p:cSld>
-    <p:spTree>
-      <p:nvGrpSpPr>
-        <p:cNvPr id="1" name=""/>
-        <p:cNvGrpSpPr/>
-        <p:nvPr/>
-      </p:nvGrpSpPr>
-      <p:grpSpPr>
-        <a:xfrm>
-          <a:off x="0" y="0"/>
-          <a:ext cx="0" cy="0"/>
-          <a:chOff x="0" y="0"/>
-          <a:chExt cx="0" cy="0"/>
-        </a:xfrm>
-      </p:grpSpPr>
-      <p:sp>
-        <p:nvSpPr>
-          <p:cNvPr id="2" name="Title 1"/>
-          <p:cNvSpPr>
-            <a:spLocks noGrp="1"/>
-          </p:cNvSpPr>
-          <p:nvPr>
-            <p:ph type="title"/>
-          </p:nvPr>
-        </p:nvSpPr>
-        <p:spPr/>
-        <p:txBody>
-          <a:bodyPr/>
-          <a:lstStyle/>
-          <a:p>
-            <a:r>
-              <a:rPr lang="en-US" dirty="0"/>
-              <a:t>Lectures</a:t>
-            </a:r>
-          </a:p>
-        </p:txBody>
-      </p:sp>
-      <p:sp>
-        <p:nvSpPr>
-          <p:cNvPr id="3" name="Content Placeholder 2"/>
-          <p:cNvSpPr>
-            <a:spLocks noGrp="1"/>
-          </p:cNvSpPr>
-          <p:nvPr>
-            <p:ph idx="1"/>
-          </p:nvPr>
-        </p:nvSpPr>
-        <p:spPr/>
-        <p:txBody>
-          <a:bodyPr/>
-          <a:lstStyle/>
-          <a:p>
-            <a:r>
-              <a:rPr lang="en-US" dirty="0"/>
-              <a:t>Tuesdays, 6:30-9:20</a:t>
-            </a:r>
-          </a:p>
-          <a:p>
-            <a:r>
-              <a:rPr lang="en-US" dirty="0"/>
-              <a:t>Lecture slides posted on course calendar by mid-afternoon before each class</a:t>
-            </a:r>
-          </a:p>
-          <a:p>
-            <a:r>
-              <a:rPr lang="en-US" dirty="0"/>
-              <a:t>Live video stream, but please join us – it’s lonely talking to an empty room &amp; better for you if you’re here to ask questions &amp; interact</a:t>
-            </a:r>
-          </a:p>
-          <a:p>
-            <a:r>
-              <a:rPr lang="en-US" dirty="0"/>
-              <a:t>Archived video and slides posted a day or two later</a:t>
-            </a:r>
-          </a:p>
-        </p:txBody>
-      </p:sp>
-      <p:sp>
-        <p:nvSpPr>
-          <p:cNvPr id="5" name="Slide Number Placeholder 4"/>
-          <p:cNvSpPr>
-            <a:spLocks noGrp="1"/>
-          </p:cNvSpPr>
-          <p:nvPr>
-            <p:ph type="sldNum" sz="quarter" idx="12"/>
-          </p:nvPr>
-        </p:nvSpPr>
-        <p:spPr/>
-        <p:txBody>
-          <a:bodyPr/>
-          <a:lstStyle/>
-          <a:p>
-            <a:pPr>
-              <a:defRPr/>
-            </a:pPr>
-            <a:r>
-              <a:rPr lang="en-US"/>
-              <a:t>A-</a:t>
-            </a:r>
-            <a:fld id="{002AD64E-618B-41CB-865B-DB6E4FCC0BC5}" type="slidenum">
-              <a:rPr lang="en-US" smtClean="0"/>
-              <a:pPr>
-                <a:defRPr/>
-              </a:pPr>
-              <a:t>39</a:t>
-            </a:fld>
-            <a:endParaRPr lang="en-US"/>
-          </a:p>
-        </p:txBody>
-      </p:sp>
-    </p:spTree>
-    <p:extLst>
-      <p:ext uri="{BB962C8B-B14F-4D97-AF65-F5344CB8AC3E}">
-        <p14:creationId xmlns:p14="http://schemas.microsoft.com/office/powerpoint/2010/main" val="1883842693"/>
-      </p:ext>
-    </p:extLst>
-  </p:cSld>
-  <p:clrMapOvr>
-    <a:masterClrMapping/>
-  </p:clrMapOvr>
-</p:sld>
-</file>
-
-<file path=ppt/slides/slide4.xml><?xml version="1.0" encoding="utf-8"?>
-<p:sld xmlns:a="http://schemas.openxmlformats.org/drawingml/2006/main" xmlns:r="http://schemas.openxmlformats.org/officeDocument/2006/relationships" xmlns:p="http://schemas.openxmlformats.org/presentationml/2006/main">
-  <p:cSld>
-    <p:spTree>
-      <p:nvGrpSpPr>
-        <p:cNvPr id="1" name=""/>
-        <p:cNvGrpSpPr/>
-        <p:nvPr/>
-      </p:nvGrpSpPr>
-      <p:grpSpPr>
-        <a:xfrm>
-          <a:off x="0" y="0"/>
-          <a:ext cx="0" cy="0"/>
-          <a:chOff x="0" y="0"/>
-          <a:chExt cx="0" cy="0"/>
-        </a:xfrm>
-      </p:grpSpPr>
-      <p:sp>
-        <p:nvSpPr>
-          <p:cNvPr id="15365" name="Rectangle 2"/>
-          <p:cNvSpPr>
-            <a:spLocks noGrp="1" noChangeArrowheads="1"/>
-          </p:cNvSpPr>
-          <p:nvPr>
-            <p:ph type="title"/>
-            <p:custDataLst>
-              <p:tags r:id="rId1"/>
-            </p:custDataLst>
-          </p:nvPr>
-        </p:nvSpPr>
-        <p:spPr/>
-        <p:txBody>
-          <a:bodyPr/>
-          <a:lstStyle/>
-          <a:p>
-            <a:pPr eaLnBrk="1" hangingPunct="1"/>
-            <a:r>
-              <a:rPr lang="en-US"/>
-              <a:t>And the point is… </a:t>
-            </a:r>
-          </a:p>
-        </p:txBody>
-      </p:sp>
-      <p:sp>
-        <p:nvSpPr>
-          <p:cNvPr id="15366" name="Rectangle 3"/>
-          <p:cNvSpPr>
-            <a:spLocks noGrp="1" noChangeArrowheads="1"/>
-          </p:cNvSpPr>
-          <p:nvPr>
-            <p:ph idx="1"/>
-            <p:custDataLst>
-              <p:tags r:id="rId2"/>
-            </p:custDataLst>
-          </p:nvPr>
-        </p:nvSpPr>
-        <p:spPr/>
-        <p:txBody>
-          <a:bodyPr/>
-          <a:lstStyle/>
-          <a:p>
-            <a:pPr eaLnBrk="1" hangingPunct="1">
-              <a:lnSpc>
-                <a:spcPct val="90000"/>
-              </a:lnSpc>
-            </a:pPr>
-            <a:r>
-              <a:rPr lang="en-US" dirty="0"/>
-              <a:t>How do we execute something like this?</a:t>
-            </a:r>
-          </a:p>
-          <a:p>
-            <a:pPr lvl="2" eaLnBrk="1" hangingPunct="1">
-              <a:lnSpc>
-                <a:spcPct val="90000"/>
-              </a:lnSpc>
-              <a:buFont typeface="Wingdings" pitchFamily="2" charset="2"/>
-              <a:buNone/>
-            </a:pPr>
-            <a:endParaRPr lang="en-US" sz="1600" dirty="0">
-              <a:latin typeface="Lucida Sans Unicode" pitchFamily="34" charset="0"/>
-            </a:endParaRPr>
-          </a:p>
-          <a:p>
-            <a:pPr lvl="2" eaLnBrk="1" hangingPunct="1">
-              <a:lnSpc>
-                <a:spcPct val="90000"/>
-              </a:lnSpc>
-              <a:buFont typeface="Wingdings" pitchFamily="2" charset="2"/>
-              <a:buNone/>
-            </a:pPr>
-            <a:r>
-              <a:rPr lang="en-US" sz="2000" dirty="0" err="1">
-                <a:latin typeface="Lucida Sans Unicode" pitchFamily="34" charset="0"/>
-              </a:rPr>
-              <a:t>int</a:t>
-            </a:r>
-            <a:r>
-              <a:rPr lang="en-US" sz="2000" dirty="0">
-                <a:latin typeface="Lucida Sans Unicode" pitchFamily="34" charset="0"/>
-              </a:rPr>
-              <a:t> </a:t>
-            </a:r>
-            <a:r>
-              <a:rPr lang="en-US" sz="2000" dirty="0" err="1">
-                <a:latin typeface="Lucida Sans Unicode" pitchFamily="34" charset="0"/>
-              </a:rPr>
-              <a:t>nPos</a:t>
-            </a:r>
-            <a:r>
-              <a:rPr lang="en-US" sz="2000" dirty="0">
-                <a:latin typeface="Lucida Sans Unicode" pitchFamily="34" charset="0"/>
-              </a:rPr>
-              <a:t> = 0;</a:t>
-            </a:r>
-          </a:p>
-          <a:p>
-            <a:pPr lvl="2" eaLnBrk="1" hangingPunct="1">
-              <a:lnSpc>
-                <a:spcPct val="90000"/>
-              </a:lnSpc>
-              <a:buFont typeface="Wingdings" pitchFamily="2" charset="2"/>
-              <a:buNone/>
-            </a:pPr>
-            <a:r>
-              <a:rPr lang="en-US" sz="2000" dirty="0" err="1">
-                <a:latin typeface="Lucida Sans Unicode" pitchFamily="34" charset="0"/>
-              </a:rPr>
-              <a:t>int</a:t>
-            </a:r>
-            <a:r>
-              <a:rPr lang="en-US" sz="2000" dirty="0">
-                <a:latin typeface="Lucida Sans Unicode" pitchFamily="34" charset="0"/>
-              </a:rPr>
-              <a:t> k = 0;</a:t>
-            </a:r>
-          </a:p>
-          <a:p>
-            <a:pPr lvl="2" eaLnBrk="1" hangingPunct="1">
-              <a:lnSpc>
-                <a:spcPct val="90000"/>
-              </a:lnSpc>
-              <a:buFont typeface="Wingdings" pitchFamily="2" charset="2"/>
-              <a:buNone/>
-            </a:pPr>
-            <a:r>
-              <a:rPr lang="en-US" sz="2000" dirty="0">
-                <a:latin typeface="Lucida Sans Unicode" pitchFamily="34" charset="0"/>
-              </a:rPr>
-              <a:t>while (k &lt; length) {</a:t>
-            </a:r>
-          </a:p>
-          <a:p>
-            <a:pPr lvl="2" eaLnBrk="1" hangingPunct="1">
-              <a:lnSpc>
-                <a:spcPct val="90000"/>
-              </a:lnSpc>
-              <a:buFont typeface="Wingdings" pitchFamily="2" charset="2"/>
-              <a:buNone/>
-            </a:pPr>
-            <a:r>
-              <a:rPr lang="en-US" sz="2000" dirty="0">
-                <a:latin typeface="Lucida Sans Unicode" pitchFamily="34" charset="0"/>
-              </a:rPr>
-              <a:t>	if (a[k] &gt; 0) {</a:t>
-            </a:r>
-          </a:p>
-          <a:p>
-            <a:pPr lvl="2" eaLnBrk="1" hangingPunct="1">
-              <a:lnSpc>
-                <a:spcPct val="90000"/>
-              </a:lnSpc>
-              <a:buFont typeface="Wingdings" pitchFamily="2" charset="2"/>
-              <a:buNone/>
-            </a:pPr>
-            <a:r>
-              <a:rPr lang="en-US" sz="2000" dirty="0">
-                <a:latin typeface="Lucida Sans Unicode" pitchFamily="34" charset="0"/>
-              </a:rPr>
-              <a:t>	   </a:t>
-            </a:r>
-            <a:r>
-              <a:rPr lang="en-US" sz="2000" dirty="0" err="1">
-                <a:latin typeface="Lucida Sans Unicode" pitchFamily="34" charset="0"/>
-              </a:rPr>
-              <a:t>nPos</a:t>
-            </a:r>
-            <a:r>
-              <a:rPr lang="en-US" sz="2000" dirty="0">
-                <a:latin typeface="Lucida Sans Unicode" pitchFamily="34" charset="0"/>
-              </a:rPr>
-              <a:t>++;</a:t>
-            </a:r>
-          </a:p>
-          <a:p>
-            <a:pPr lvl="2" eaLnBrk="1" hangingPunct="1">
-              <a:lnSpc>
-                <a:spcPct val="90000"/>
-              </a:lnSpc>
-              <a:buFont typeface="Wingdings" pitchFamily="2" charset="2"/>
-              <a:buNone/>
-            </a:pPr>
-            <a:r>
-              <a:rPr lang="en-US" sz="2000" dirty="0">
-                <a:latin typeface="Lucida Sans Unicode" pitchFamily="34" charset="0"/>
-              </a:rPr>
-              <a:t>	}</a:t>
-            </a:r>
-          </a:p>
-          <a:p>
-            <a:pPr lvl="2" eaLnBrk="1" hangingPunct="1">
-              <a:lnSpc>
-                <a:spcPct val="90000"/>
-              </a:lnSpc>
-              <a:buFont typeface="Wingdings" pitchFamily="2" charset="2"/>
-              <a:buNone/>
-            </a:pPr>
-            <a:r>
-              <a:rPr lang="en-US" sz="2000" dirty="0">
-                <a:latin typeface="Lucida Sans Unicode" pitchFamily="34" charset="0"/>
-              </a:rPr>
-              <a:t>}</a:t>
-            </a:r>
-          </a:p>
-          <a:p>
-            <a:pPr lvl="2" eaLnBrk="1" hangingPunct="1">
-              <a:lnSpc>
-                <a:spcPct val="90000"/>
-              </a:lnSpc>
-              <a:buFont typeface="Wingdings" pitchFamily="2" charset="2"/>
-              <a:buNone/>
-            </a:pPr>
-            <a:endParaRPr lang="en-US" sz="2000" dirty="0"/>
-          </a:p>
-          <a:p>
-            <a:pPr eaLnBrk="1" hangingPunct="1">
-              <a:lnSpc>
-                <a:spcPct val="90000"/>
-              </a:lnSpc>
-            </a:pPr>
-            <a:r>
-              <a:rPr lang="en-US" dirty="0"/>
-              <a:t>The computer only knows 1’s &amp; 0’s - i.e., encodings of instructions and data</a:t>
-            </a:r>
-          </a:p>
-        </p:txBody>
-      </p:sp>
-      <p:sp>
-        <p:nvSpPr>
-          <p:cNvPr id="15364" name="Slide Number Placeholder 5"/>
-          <p:cNvSpPr>
-            <a:spLocks noGrp="1"/>
-          </p:cNvSpPr>
-          <p:nvPr>
-            <p:ph type="sldNum" sz="quarter" idx="12"/>
-            <p:custDataLst>
-              <p:tags r:id="rId3"/>
-            </p:custDataLst>
-          </p:nvPr>
-        </p:nvSpPr>
-        <p:spPr>
-          <a:noFill/>
-        </p:spPr>
-        <p:txBody>
-          <a:bodyPr/>
-          <a:lstStyle/>
-          <a:p>
-            <a:r>
-              <a:rPr lang="en-US"/>
-              <a:t>A-</a:t>
-            </a:r>
-            <a:fld id="{A90869FA-79F7-4F9C-A4A6-016640575887}" type="slidenum">
-              <a:rPr lang="en-US" smtClean="0"/>
-              <a:pPr/>
-              <a:t>4</a:t>
-            </a:fld>
-            <a:endParaRPr lang="en-US"/>
-          </a:p>
-        </p:txBody>
-      </p:sp>
-    </p:spTree>
-  </p:cSld>
-  <p:clrMapOvr>
-    <a:masterClrMapping/>
-  </p:clrMapOvr>
-</p:sld>
-</file>
-
-<file path=ppt/slides/slide40.xml><?xml version="1.0" encoding="utf-8"?>
-<p:sld xmlns:a="http://schemas.openxmlformats.org/drawingml/2006/main" xmlns:r="http://schemas.openxmlformats.org/officeDocument/2006/relationships" xmlns:p="http://schemas.openxmlformats.org/presentationml/2006/main">
-  <p:cSld>
-    <p:spTree>
-      <p:nvGrpSpPr>
-        <p:cNvPr id="1" name=""/>
-        <p:cNvGrpSpPr/>
-        <p:nvPr/>
-      </p:nvGrpSpPr>
-      <p:grpSpPr>
-        <a:xfrm>
-          <a:off x="0" y="0"/>
-          <a:ext cx="0" cy="0"/>
-          <a:chOff x="0" y="0"/>
-          <a:chExt cx="0" cy="0"/>
-        </a:xfrm>
-      </p:grpSpPr>
-      <p:sp>
-        <p:nvSpPr>
-          <p:cNvPr id="8194" name="Rectangle 2"/>
-          <p:cNvSpPr>
-            <a:spLocks noGrp="1" noChangeArrowheads="1"/>
-          </p:cNvSpPr>
-          <p:nvPr>
-            <p:ph type="title"/>
-            <p:custDataLst>
-              <p:tags r:id="rId1"/>
-            </p:custDataLst>
-          </p:nvPr>
-        </p:nvSpPr>
-        <p:spPr/>
-        <p:txBody>
-          <a:bodyPr/>
-          <a:lstStyle/>
-          <a:p>
-            <a:r>
-              <a:rPr lang="en-US" dirty="0"/>
-              <a:t>Staying in touch</a:t>
-            </a:r>
-          </a:p>
-        </p:txBody>
-      </p:sp>
-      <p:sp>
-        <p:nvSpPr>
-          <p:cNvPr id="43014" name="Rectangle 3"/>
-          <p:cNvSpPr>
-            <a:spLocks noGrp="1" noChangeArrowheads="1"/>
-          </p:cNvSpPr>
-          <p:nvPr>
-            <p:ph idx="1"/>
-            <p:custDataLst>
-              <p:tags r:id="rId2"/>
-            </p:custDataLst>
-          </p:nvPr>
-        </p:nvSpPr>
-        <p:spPr/>
-        <p:txBody>
-          <a:bodyPr>
-            <a:normAutofit lnSpcReduction="10000"/>
-          </a:bodyPr>
-          <a:lstStyle/>
-          <a:p>
-            <a:pPr>
-              <a:defRPr/>
-            </a:pPr>
-            <a:r>
-              <a:rPr lang="en-US" dirty="0"/>
-              <a:t>Course web site </a:t>
-            </a:r>
-          </a:p>
-          <a:p>
-            <a:pPr>
-              <a:defRPr/>
-            </a:pPr>
-            <a:r>
-              <a:rPr lang="en-US" dirty="0"/>
-              <a:t>Discussion board</a:t>
-            </a:r>
-          </a:p>
-          <a:p>
-            <a:pPr lvl="1">
-              <a:defRPr/>
-            </a:pPr>
-            <a:r>
-              <a:rPr lang="en-US" dirty="0"/>
-              <a:t>For anything related to the course</a:t>
-            </a:r>
-          </a:p>
-          <a:p>
-            <a:pPr lvl="1">
-              <a:defRPr/>
-            </a:pPr>
-            <a:r>
-              <a:rPr lang="en-US" dirty="0"/>
-              <a:t>Join in!  Help each other out.  Staff will contribute.</a:t>
-            </a:r>
-          </a:p>
-          <a:p>
-            <a:pPr>
-              <a:defRPr/>
-            </a:pPr>
-            <a:r>
-              <a:rPr lang="en-US" dirty="0"/>
-              <a:t>Mailing list</a:t>
-            </a:r>
-          </a:p>
-          <a:p>
-            <a:pPr lvl="1">
-              <a:defRPr/>
-            </a:pPr>
-            <a:r>
-              <a:rPr lang="en-US" dirty="0"/>
-              <a:t>You are automatically subscribed if you are registered</a:t>
-            </a:r>
-          </a:p>
-          <a:p>
-            <a:pPr lvl="1">
-              <a:defRPr/>
-            </a:pPr>
-            <a:r>
-              <a:rPr lang="en-US" dirty="0"/>
-              <a:t>Will keep this fairly low-volume; limited to things that everyone needs to read</a:t>
-            </a:r>
-          </a:p>
-        </p:txBody>
-      </p:sp>
-      <p:sp>
-        <p:nvSpPr>
-          <p:cNvPr id="8198" name="Slide Number Placeholder 5"/>
-          <p:cNvSpPr>
-            <a:spLocks noGrp="1"/>
-          </p:cNvSpPr>
-          <p:nvPr>
-            <p:ph type="sldNum" sz="quarter" idx="12"/>
-            <p:custDataLst>
-              <p:tags r:id="rId3"/>
-            </p:custDataLst>
-          </p:nvPr>
-        </p:nvSpPr>
-        <p:spPr>
-          <a:noFill/>
-        </p:spPr>
-        <p:txBody>
-          <a:bodyPr/>
-          <a:lstStyle/>
-          <a:p>
-            <a:r>
-              <a:rPr lang="en-US"/>
-              <a:t>A-</a:t>
-            </a:r>
-            <a:fld id="{B2B96A2B-6DBB-4753-99AB-637CFDC8C261}" type="slidenum">
-              <a:rPr lang="en-US" smtClean="0"/>
-              <a:pPr/>
-              <a:t>40</a:t>
-            </a:fld>
-            <a:endParaRPr lang="en-US"/>
-          </a:p>
-        </p:txBody>
-      </p:sp>
-    </p:spTree>
-    <p:extLst>
-      <p:ext uri="{BB962C8B-B14F-4D97-AF65-F5344CB8AC3E}">
-        <p14:creationId xmlns:p14="http://schemas.microsoft.com/office/powerpoint/2010/main" val="2830455574"/>
-      </p:ext>
-    </p:extLst>
-  </p:cSld>
-  <p:clrMapOvr>
-    <a:masterClrMapping/>
-  </p:clrMapOvr>
-</p:sld>
-</file>
-
-<file path=ppt/slides/slide41.xml><?xml version="1.0" encoding="utf-8"?>
-<p:sld xmlns:a="http://schemas.openxmlformats.org/drawingml/2006/main" xmlns:r="http://schemas.openxmlformats.org/officeDocument/2006/relationships" xmlns:p="http://schemas.openxmlformats.org/presentationml/2006/main">
-  <p:cSld>
-    <p:spTree>
-      <p:nvGrpSpPr>
-        <p:cNvPr id="1" name=""/>
-        <p:cNvGrpSpPr/>
-        <p:nvPr/>
-      </p:nvGrpSpPr>
-      <p:grpSpPr>
-        <a:xfrm>
-          <a:off x="0" y="0"/>
-          <a:ext cx="0" cy="0"/>
-          <a:chOff x="0" y="0"/>
-          <a:chExt cx="0" cy="0"/>
-        </a:xfrm>
-      </p:grpSpPr>
-      <p:sp>
-        <p:nvSpPr>
           <p:cNvPr id="12290" name="Rectangle 2"/>
           <p:cNvSpPr>
             <a:spLocks noGrp="1" noChangeArrowheads="1"/>
@@ -14151,7 +12740,7 @@
             <a:fld id="{9959BB98-9302-4D1A-A40B-969742D6923B}" type="slidenum">
               <a:rPr lang="en-US" smtClean="0"/>
               <a:pPr/>
-              <a:t>41</a:t>
+              <a:t>34</a:t>
             </a:fld>
             <a:endParaRPr lang="en-US"/>
           </a:p>
@@ -14265,14 +12854,14 @@
           <a:effectLst/>
           <a:extLst>
             <a:ext uri="{909E8E84-426E-40dd-AFC4-6F175D3DCCD1}">
-              <a14:hiddenFill xmlns="" xmlns:a14="http://schemas.microsoft.com/office/drawing/2010/main">
+              <a14:hiddenFill xmlns:a14="http://schemas.microsoft.com/office/drawing/2010/main" xmlns="">
                 <a:solidFill>
                   <a:schemeClr val="accent1"/>
                 </a:solidFill>
               </a14:hiddenFill>
             </a:ext>
             <a:ext uri="{91240B29-F687-4f45-9708-019B960494DF}">
-              <a14:hiddenLine xmlns="" xmlns:a14="http://schemas.microsoft.com/office/drawing/2010/main" w="9525">
+              <a14:hiddenLine xmlns:a14="http://schemas.microsoft.com/office/drawing/2010/main" xmlns="" w="9525">
                 <a:solidFill>
                   <a:schemeClr val="tx1"/>
                 </a:solidFill>
@@ -14282,7 +12871,7 @@
               </a14:hiddenLine>
             </a:ext>
             <a:ext uri="{AF507438-7753-43e0-B8FC-AC1667EBCBE1}">
-              <a14:hiddenEffects xmlns="" xmlns:a14="http://schemas.microsoft.com/office/drawing/2010/main">
+              <a14:hiddenEffects xmlns:a14="http://schemas.microsoft.com/office/drawing/2010/main" xmlns="">
                 <a:effectLst>
                   <a:outerShdw dist="35921" dir="2700000" algn="ctr" rotWithShape="0">
                     <a:schemeClr val="bg2"/>
@@ -14306,7 +12895,7 @@
 </p:sld>
 </file>
 
-<file path=ppt/slides/slide42.xml><?xml version="1.0" encoding="utf-8"?>
+<file path=ppt/slides/slide35.xml><?xml version="1.0" encoding="utf-8"?>
 <p:sld xmlns:a="http://schemas.openxmlformats.org/drawingml/2006/main" xmlns:r="http://schemas.openxmlformats.org/officeDocument/2006/relationships" xmlns:p="http://schemas.openxmlformats.org/presentationml/2006/main">
   <p:cSld>
     <p:spTree>
@@ -14325,7 +12914,7 @@
       </p:grpSpPr>
       <p:sp>
         <p:nvSpPr>
-          <p:cNvPr id="47106" name="Rectangle 2"/>
+          <p:cNvPr id="48133" name="Rectangle 2"/>
           <p:cNvSpPr>
             <a:spLocks noGrp="1" noChangeArrowheads="1"/>
           </p:cNvSpPr>
@@ -14341,16 +12930,17 @@
           <a:bodyPr/>
           <a:lstStyle/>
           <a:p>
-            <a:r>
-              <a:rPr lang="en-US"/>
-              <a:t>Any questions?</a:t>
-            </a:r>
-          </a:p>
-        </p:txBody>
-      </p:sp>
-      <p:sp>
-        <p:nvSpPr>
-          <p:cNvPr id="47107" name="Rectangle 3"/>
+            <a:pPr eaLnBrk="1" hangingPunct="1"/>
+            <a:r>
+              <a:rPr lang="en-US"/>
+              <a:t>Coming Attractions</a:t>
+            </a:r>
+          </a:p>
+        </p:txBody>
+      </p:sp>
+      <p:sp>
+        <p:nvSpPr>
+          <p:cNvPr id="48134" name="Rectangle 3"/>
           <p:cNvSpPr>
             <a:spLocks noGrp="1" noChangeArrowheads="1"/>
           </p:cNvSpPr>
@@ -14366,30 +12956,50 @@
           <a:bodyPr/>
           <a:lstStyle/>
           <a:p>
-            <a:r>
-              <a:rPr lang="en-US" dirty="0"/>
-              <a:t>Your job is to ask questions to be sure you understand what’s happening and to slow me down</a:t>
-            </a:r>
-          </a:p>
-          <a:p>
-            <a:pPr lvl="1"/>
-            <a:r>
-              <a:rPr lang="en-US" dirty="0"/>
-              <a:t>Otherwise, we’ll barrel on ahead </a:t>
-            </a:r>
-            <a:r>
-              <a:rPr lang="en-US" dirty="0">
-                <a:sym typeface="Wingdings" pitchFamily="2" charset="2"/>
-              </a:rPr>
-              <a:t></a:t>
-            </a:r>
+            <a:pPr eaLnBrk="1" hangingPunct="1"/>
+            <a:r>
+              <a:rPr lang="en-US" dirty="0"/>
+              <a:t>Quick review of formal grammars</a:t>
+            </a:r>
+          </a:p>
+          <a:p>
+            <a:pPr eaLnBrk="1" hangingPunct="1"/>
+            <a:r>
+              <a:rPr lang="en-US" dirty="0"/>
+              <a:t>Lexical analysis – scanning</a:t>
+            </a:r>
+          </a:p>
+          <a:p>
+            <a:pPr eaLnBrk="1" hangingPunct="1"/>
+            <a:r>
+              <a:rPr lang="en-US" dirty="0"/>
+              <a:t>Followed by parsing …</a:t>
+            </a:r>
+          </a:p>
+          <a:p>
+            <a:pPr eaLnBrk="1" hangingPunct="1"/>
             <a:endParaRPr lang="en-US" dirty="0"/>
           </a:p>
-        </p:txBody>
-      </p:sp>
-      <p:sp>
-        <p:nvSpPr>
-          <p:cNvPr id="47110" name="Slide Number Placeholder 5"/>
+          <a:p>
+            <a:pPr eaLnBrk="1" hangingPunct="1"/>
+            <a:r>
+              <a:rPr lang="en-US" dirty="0"/>
+              <a:t>Read </a:t>
+            </a:r>
+            <a:r>
+              <a:rPr lang="en-US" dirty="0" err="1"/>
+              <a:t>ch.</a:t>
+            </a:r>
+            <a:r>
+              <a:rPr lang="en-US" dirty="0"/>
+              <a:t> 1, 2.1-2.4 in EAC or corresponding chapters in other books</a:t>
+            </a:r>
+          </a:p>
+        </p:txBody>
+      </p:sp>
+      <p:sp>
+        <p:nvSpPr>
+          <p:cNvPr id="48132" name="Slide Number Placeholder 5"/>
           <p:cNvSpPr>
             <a:spLocks noGrp="1"/>
           </p:cNvSpPr>
@@ -14411,10 +13021,10 @@
               <a:rPr lang="en-US"/>
               <a:t>A-</a:t>
             </a:r>
-            <a:fld id="{497BEF85-0F90-443B-8210-035F3B5F7A18}" type="slidenum">
+            <a:fld id="{88C4D780-3C3B-4BC2-9154-B5B5D73F0D52}" type="slidenum">
               <a:rPr lang="en-US" smtClean="0"/>
               <a:pPr/>
-              <a:t>42</a:t>
+              <a:t>35</a:t>
             </a:fld>
             <a:endParaRPr lang="en-US"/>
           </a:p>
@@ -14428,7 +13038,7 @@
 </p:sld>
 </file>
 
-<file path=ppt/slides/slide43.xml><?xml version="1.0" encoding="utf-8"?>
+<file path=ppt/slides/slide4.xml><?xml version="1.0" encoding="utf-8"?>
 <p:sld xmlns:a="http://schemas.openxmlformats.org/drawingml/2006/main" xmlns:r="http://schemas.openxmlformats.org/officeDocument/2006/relationships" xmlns:p="http://schemas.openxmlformats.org/presentationml/2006/main">
   <p:cSld>
     <p:spTree>
@@ -14447,7 +13057,7 @@
       </p:grpSpPr>
       <p:sp>
         <p:nvSpPr>
-          <p:cNvPr id="48133" name="Rectangle 2"/>
+          <p:cNvPr id="15365" name="Rectangle 2"/>
           <p:cNvSpPr>
             <a:spLocks noGrp="1" noChangeArrowheads="1"/>
           </p:cNvSpPr>
@@ -14466,14 +13076,14 @@
             <a:pPr eaLnBrk="1" hangingPunct="1"/>
             <a:r>
               <a:rPr lang="en-US"/>
-              <a:t>Coming Attractions</a:t>
-            </a:r>
-          </a:p>
-        </p:txBody>
-      </p:sp>
-      <p:sp>
-        <p:nvSpPr>
-          <p:cNvPr id="48134" name="Rectangle 3"/>
+              <a:t>And the point is… </a:t>
+            </a:r>
+          </a:p>
+        </p:txBody>
+      </p:sp>
+      <p:sp>
+        <p:nvSpPr>
+          <p:cNvPr id="15366" name="Rectangle 3"/>
           <p:cNvSpPr>
             <a:spLocks noGrp="1" noChangeArrowheads="1"/>
           </p:cNvSpPr>
@@ -14489,54 +13099,195 @@
           <a:bodyPr/>
           <a:lstStyle/>
           <a:p>
-            <a:pPr eaLnBrk="1" hangingPunct="1"/>
-            <a:r>
-              <a:rPr lang="en-US" dirty="0"/>
-              <a:t>Quick review of formal grammars</a:t>
-            </a:r>
-          </a:p>
-          <a:p>
-            <a:pPr eaLnBrk="1" hangingPunct="1"/>
-            <a:r>
-              <a:rPr lang="en-US" dirty="0"/>
-              <a:t>Lexical analysis – scanning</a:t>
-            </a:r>
-          </a:p>
-          <a:p>
-            <a:pPr eaLnBrk="1" hangingPunct="1"/>
-            <a:r>
-              <a:rPr lang="en-US"/>
-              <a:t>Followed </a:t>
-            </a:r>
-            <a:r>
-              <a:rPr lang="en-US" dirty="0"/>
-              <a:t>by parsing …</a:t>
-            </a:r>
-          </a:p>
-          <a:p>
-            <a:pPr eaLnBrk="1" hangingPunct="1"/>
-            <a:endParaRPr lang="en-US" dirty="0"/>
-          </a:p>
-          <a:p>
-            <a:pPr eaLnBrk="1" hangingPunct="1"/>
-            <a:r>
-              <a:rPr lang="en-US" dirty="0"/>
-              <a:t>Start reading: </a:t>
-            </a:r>
-            <a:r>
-              <a:rPr lang="en-US" dirty="0" err="1"/>
-              <a:t>ch.</a:t>
-            </a:r>
-            <a:r>
-              <a:rPr lang="en-US" dirty="0"/>
-              <a:t> 1, 2.1-2.4 in EAC or corresponding chapters in other books</a:t>
-            </a:r>
-          </a:p>
-        </p:txBody>
-      </p:sp>
-      <p:sp>
-        <p:nvSpPr>
-          <p:cNvPr id="48132" name="Slide Number Placeholder 5"/>
+            <a:pPr eaLnBrk="1" hangingPunct="1">
+              <a:lnSpc>
+                <a:spcPct val="90000"/>
+              </a:lnSpc>
+            </a:pPr>
+            <a:r>
+              <a:rPr lang="en-US" dirty="0"/>
+              <a:t>How do we execute something like this?</a:t>
+            </a:r>
+          </a:p>
+          <a:p>
+            <a:pPr lvl="2" eaLnBrk="1" hangingPunct="1">
+              <a:lnSpc>
+                <a:spcPct val="90000"/>
+              </a:lnSpc>
+              <a:buFont typeface="Wingdings" pitchFamily="2" charset="2"/>
+              <a:buNone/>
+            </a:pPr>
+            <a:endParaRPr lang="en-US" sz="1600" dirty="0">
+              <a:latin typeface="Lucida Sans Unicode" pitchFamily="34" charset="0"/>
+            </a:endParaRPr>
+          </a:p>
+          <a:p>
+            <a:pPr lvl="2" eaLnBrk="1" hangingPunct="1">
+              <a:lnSpc>
+                <a:spcPct val="90000"/>
+              </a:lnSpc>
+              <a:buFont typeface="Wingdings" pitchFamily="2" charset="2"/>
+              <a:buNone/>
+            </a:pPr>
+            <a:r>
+              <a:rPr lang="en-US" sz="2000" dirty="0" err="1">
+                <a:latin typeface="Lucida Sans Unicode" pitchFamily="34" charset="0"/>
+              </a:rPr>
+              <a:t>int</a:t>
+            </a:r>
+            <a:r>
+              <a:rPr lang="en-US" sz="2000" dirty="0">
+                <a:latin typeface="Lucida Sans Unicode" pitchFamily="34" charset="0"/>
+              </a:rPr>
+              <a:t> </a:t>
+            </a:r>
+            <a:r>
+              <a:rPr lang="en-US" sz="2000" dirty="0" err="1">
+                <a:latin typeface="Lucida Sans Unicode" pitchFamily="34" charset="0"/>
+              </a:rPr>
+              <a:t>nPos</a:t>
+            </a:r>
+            <a:r>
+              <a:rPr lang="en-US" sz="2000" dirty="0">
+                <a:latin typeface="Lucida Sans Unicode" pitchFamily="34" charset="0"/>
+              </a:rPr>
+              <a:t> = 0;</a:t>
+            </a:r>
+          </a:p>
+          <a:p>
+            <a:pPr lvl="2" eaLnBrk="1" hangingPunct="1">
+              <a:lnSpc>
+                <a:spcPct val="90000"/>
+              </a:lnSpc>
+              <a:buFont typeface="Wingdings" pitchFamily="2" charset="2"/>
+              <a:buNone/>
+            </a:pPr>
+            <a:r>
+              <a:rPr lang="en-US" sz="2000" dirty="0" err="1">
+                <a:latin typeface="Lucida Sans Unicode" pitchFamily="34" charset="0"/>
+              </a:rPr>
+              <a:t>int</a:t>
+            </a:r>
+            <a:r>
+              <a:rPr lang="en-US" sz="2000" dirty="0">
+                <a:latin typeface="Lucida Sans Unicode" pitchFamily="34" charset="0"/>
+              </a:rPr>
+              <a:t> k = 0;</a:t>
+            </a:r>
+          </a:p>
+          <a:p>
+            <a:pPr lvl="2" eaLnBrk="1" hangingPunct="1">
+              <a:lnSpc>
+                <a:spcPct val="90000"/>
+              </a:lnSpc>
+              <a:buFont typeface="Wingdings" pitchFamily="2" charset="2"/>
+              <a:buNone/>
+            </a:pPr>
+            <a:r>
+              <a:rPr lang="en-US" sz="2000" dirty="0">
+                <a:latin typeface="Lucida Sans Unicode" pitchFamily="34" charset="0"/>
+              </a:rPr>
+              <a:t>while (k &lt; length) {</a:t>
+            </a:r>
+          </a:p>
+          <a:p>
+            <a:pPr lvl="2" eaLnBrk="1" hangingPunct="1">
+              <a:lnSpc>
+                <a:spcPct val="90000"/>
+              </a:lnSpc>
+              <a:buFont typeface="Wingdings" pitchFamily="2" charset="2"/>
+              <a:buNone/>
+            </a:pPr>
+            <a:r>
+              <a:rPr lang="en-US" sz="2000" dirty="0">
+                <a:latin typeface="Lucida Sans Unicode" pitchFamily="34" charset="0"/>
+              </a:rPr>
+              <a:t>	if (a[k] &gt; 0) {</a:t>
+            </a:r>
+          </a:p>
+          <a:p>
+            <a:pPr lvl="2" eaLnBrk="1" hangingPunct="1">
+              <a:lnSpc>
+                <a:spcPct val="90000"/>
+              </a:lnSpc>
+              <a:buFont typeface="Wingdings" pitchFamily="2" charset="2"/>
+              <a:buNone/>
+            </a:pPr>
+            <a:r>
+              <a:rPr lang="en-US" sz="2000" dirty="0">
+                <a:latin typeface="Lucida Sans Unicode" pitchFamily="34" charset="0"/>
+              </a:rPr>
+              <a:t>	   </a:t>
+            </a:r>
+            <a:r>
+              <a:rPr lang="en-US" sz="2000" dirty="0" err="1">
+                <a:latin typeface="Lucida Sans Unicode" pitchFamily="34" charset="0"/>
+              </a:rPr>
+              <a:t>nPos</a:t>
+            </a:r>
+            <a:r>
+              <a:rPr lang="en-US" sz="2000" dirty="0">
+                <a:latin typeface="Lucida Sans Unicode" pitchFamily="34" charset="0"/>
+              </a:rPr>
+              <a:t>++;</a:t>
+            </a:r>
+          </a:p>
+          <a:p>
+            <a:pPr lvl="2" eaLnBrk="1" hangingPunct="1">
+              <a:lnSpc>
+                <a:spcPct val="90000"/>
+              </a:lnSpc>
+              <a:buFont typeface="Wingdings" pitchFamily="2" charset="2"/>
+              <a:buNone/>
+            </a:pPr>
+            <a:r>
+              <a:rPr lang="en-US" sz="2000" dirty="0">
+                <a:latin typeface="Lucida Sans Unicode" pitchFamily="34" charset="0"/>
+              </a:rPr>
+              <a:t>	}</a:t>
+            </a:r>
+          </a:p>
+          <a:p>
+            <a:pPr lvl="2" eaLnBrk="1" hangingPunct="1">
+              <a:lnSpc>
+                <a:spcPct val="90000"/>
+              </a:lnSpc>
+              <a:buFont typeface="Wingdings" pitchFamily="2" charset="2"/>
+              <a:buNone/>
+            </a:pPr>
+            <a:r>
+              <a:rPr lang="en-US" sz="2000" dirty="0">
+                <a:latin typeface="Lucida Sans Unicode" pitchFamily="34" charset="0"/>
+              </a:rPr>
+              <a:t>}</a:t>
+            </a:r>
+          </a:p>
+          <a:p>
+            <a:pPr lvl="2" eaLnBrk="1" hangingPunct="1">
+              <a:lnSpc>
+                <a:spcPct val="90000"/>
+              </a:lnSpc>
+              <a:buFont typeface="Wingdings" pitchFamily="2" charset="2"/>
+              <a:buNone/>
+            </a:pPr>
+            <a:endParaRPr lang="en-US" sz="2000" dirty="0"/>
+          </a:p>
+          <a:p>
+            <a:pPr eaLnBrk="1" hangingPunct="1">
+              <a:lnSpc>
+                <a:spcPct val="90000"/>
+              </a:lnSpc>
+            </a:pPr>
+            <a:r>
+              <a:rPr lang="en-US" dirty="0"/>
+              <a:t>The computer only knows 1’s &amp; 0’s - i.e., encodings of instructions and data</a:t>
+            </a:r>
+          </a:p>
+        </p:txBody>
+      </p:sp>
+      <p:sp>
+        <p:nvSpPr>
+          <p:cNvPr id="15364" name="Slide Number Placeholder 5"/>
           <p:cNvSpPr>
             <a:spLocks noGrp="1"/>
           </p:cNvSpPr>
@@ -14558,10 +13309,10 @@
               <a:rPr lang="en-US"/>
               <a:t>A-</a:t>
             </a:r>
-            <a:fld id="{88C4D780-3C3B-4BC2-9154-B5B5D73F0D52}" type="slidenum">
+            <a:fld id="{A90869FA-79F7-4F9C-A4A6-016640575887}" type="slidenum">
               <a:rPr lang="en-US" smtClean="0"/>
               <a:pPr/>
-              <a:t>43</a:t>
+              <a:t>4</a:t>
             </a:fld>
             <a:endParaRPr lang="en-US"/>
           </a:p>
@@ -16042,108 +14793,12 @@
 </p:tagLst>
 </file>
 
-<file path=ppt/tags/tag184.xml><?xml version="1.0" encoding="utf-8"?>
-<p:tagLst xmlns:a="http://schemas.openxmlformats.org/drawingml/2006/main" xmlns:r="http://schemas.openxmlformats.org/officeDocument/2006/relationships" xmlns:p="http://schemas.openxmlformats.org/presentationml/2006/main">
-  <p:tag name="_INSTRUCTOR VIEW19C14C36-AC8E-43BC-9DB6-C2AAF774C7DC|PANE__TAG" val="_"/>
-</p:tagLst>
-</file>
-
-<file path=ppt/tags/tag185.xml><?xml version="1.0" encoding="utf-8"?>
-<p:tagLst xmlns:a="http://schemas.openxmlformats.org/drawingml/2006/main" xmlns:r="http://schemas.openxmlformats.org/officeDocument/2006/relationships" xmlns:p="http://schemas.openxmlformats.org/presentationml/2006/main">
-  <p:tag name="_INSTRUCTOR VIEW19C14C36-AC8E-43BC-9DB6-C2AAF774C7DC|PANE__TAG" val="_"/>
-</p:tagLst>
-</file>
-
-<file path=ppt/tags/tag186.xml><?xml version="1.0" encoding="utf-8"?>
-<p:tagLst xmlns:a="http://schemas.openxmlformats.org/drawingml/2006/main" xmlns:r="http://schemas.openxmlformats.org/officeDocument/2006/relationships" xmlns:p="http://schemas.openxmlformats.org/presentationml/2006/main">
-  <p:tag name="_INSTRUCTOR VIEW19C14C36-AC8E-43BC-9DB6-C2AAF774C7DC|PANE__TAG" val="_"/>
-</p:tagLst>
-</file>
-
-<file path=ppt/tags/tag187.xml><?xml version="1.0" encoding="utf-8"?>
-<p:tagLst xmlns:a="http://schemas.openxmlformats.org/drawingml/2006/main" xmlns:r="http://schemas.openxmlformats.org/officeDocument/2006/relationships" xmlns:p="http://schemas.openxmlformats.org/presentationml/2006/main">
-  <p:tag name="_INSTRUCTOR VIEW19C14C36-AC8E-43BC-9DB6-C2AAF774C7DC|PANE__TAG" val="_"/>
-</p:tagLst>
-</file>
-
-<file path=ppt/tags/tag188.xml><?xml version="1.0" encoding="utf-8"?>
-<p:tagLst xmlns:a="http://schemas.openxmlformats.org/drawingml/2006/main" xmlns:r="http://schemas.openxmlformats.org/officeDocument/2006/relationships" xmlns:p="http://schemas.openxmlformats.org/presentationml/2006/main">
-  <p:tag name="_INSTRUCTOR VIEW19C14C36-AC8E-43BC-9DB6-C2AAF774C7DC|PANE__TAG" val="_"/>
-</p:tagLst>
-</file>
-
-<file path=ppt/tags/tag189.xml><?xml version="1.0" encoding="utf-8"?>
-<p:tagLst xmlns:a="http://schemas.openxmlformats.org/drawingml/2006/main" xmlns:r="http://schemas.openxmlformats.org/officeDocument/2006/relationships" xmlns:p="http://schemas.openxmlformats.org/presentationml/2006/main">
-  <p:tag name="_INSTRUCTOR VIEW19C14C36-AC8E-43BC-9DB6-C2AAF774C7DC|PANE__TAG" val="_"/>
-</p:tagLst>
-</file>
-
 <file path=ppt/tags/tag19.xml><?xml version="1.0" encoding="utf-8"?>
 <p:tagLst xmlns:a="http://schemas.openxmlformats.org/drawingml/2006/main" xmlns:r="http://schemas.openxmlformats.org/officeDocument/2006/relationships" xmlns:p="http://schemas.openxmlformats.org/presentationml/2006/main">
   <p:tag name="_INSTRUCTOR VIEW19C14C36-AC8E-43BC-9DB6-C2AAF774C7DC|PANE__TAG" val="_"/>
 </p:tagLst>
 </file>
 
-<file path=ppt/tags/tag190.xml><?xml version="1.0" encoding="utf-8"?>
-<p:tagLst xmlns:a="http://schemas.openxmlformats.org/drawingml/2006/main" xmlns:r="http://schemas.openxmlformats.org/officeDocument/2006/relationships" xmlns:p="http://schemas.openxmlformats.org/presentationml/2006/main">
-  <p:tag name="_INSTRUCTOR VIEW19C14C36-AC8E-43BC-9DB6-C2AAF774C7DC|PANE__TAG" val="_"/>
-</p:tagLst>
-</file>
-
-<file path=ppt/tags/tag191.xml><?xml version="1.0" encoding="utf-8"?>
-<p:tagLst xmlns:a="http://schemas.openxmlformats.org/drawingml/2006/main" xmlns:r="http://schemas.openxmlformats.org/officeDocument/2006/relationships" xmlns:p="http://schemas.openxmlformats.org/presentationml/2006/main">
-  <p:tag name="_INSTRUCTOR VIEW19C14C36-AC8E-43BC-9DB6-C2AAF774C7DC|PANE__TAG" val="_"/>
-</p:tagLst>
-</file>
-
-<file path=ppt/tags/tag192.xml><?xml version="1.0" encoding="utf-8"?>
-<p:tagLst xmlns:a="http://schemas.openxmlformats.org/drawingml/2006/main" xmlns:r="http://schemas.openxmlformats.org/officeDocument/2006/relationships" xmlns:p="http://schemas.openxmlformats.org/presentationml/2006/main">
-  <p:tag name="_INSTRUCTOR VIEW19C14C36-AC8E-43BC-9DB6-C2AAF774C7DC|PANE__TAG" val="_"/>
-</p:tagLst>
-</file>
-
-<file path=ppt/tags/tag193.xml><?xml version="1.0" encoding="utf-8"?>
-<p:tagLst xmlns:a="http://schemas.openxmlformats.org/drawingml/2006/main" xmlns:r="http://schemas.openxmlformats.org/officeDocument/2006/relationships" xmlns:p="http://schemas.openxmlformats.org/presentationml/2006/main">
-  <p:tag name="_INSTRUCTOR VIEW19C14C36-AC8E-43BC-9DB6-C2AAF774C7DC|PANE__TAG" val="_"/>
-</p:tagLst>
-</file>
-
-<file path=ppt/tags/tag194.xml><?xml version="1.0" encoding="utf-8"?>
-<p:tagLst xmlns:a="http://schemas.openxmlformats.org/drawingml/2006/main" xmlns:r="http://schemas.openxmlformats.org/officeDocument/2006/relationships" xmlns:p="http://schemas.openxmlformats.org/presentationml/2006/main">
-  <p:tag name="_INSTRUCTOR VIEW19C14C36-AC8E-43BC-9DB6-C2AAF774C7DC|PANE__TAG" val="_"/>
-</p:tagLst>
-</file>
-
-<file path=ppt/tags/tag195.xml><?xml version="1.0" encoding="utf-8"?>
-<p:tagLst xmlns:a="http://schemas.openxmlformats.org/drawingml/2006/main" xmlns:r="http://schemas.openxmlformats.org/officeDocument/2006/relationships" xmlns:p="http://schemas.openxmlformats.org/presentationml/2006/main">
-  <p:tag name="_INSTRUCTOR VIEW19C14C36-AC8E-43BC-9DB6-C2AAF774C7DC|PANE__TAG" val="_"/>
-</p:tagLst>
-</file>
-
-<file path=ppt/tags/tag196.xml><?xml version="1.0" encoding="utf-8"?>
-<p:tagLst xmlns:a="http://schemas.openxmlformats.org/drawingml/2006/main" xmlns:r="http://schemas.openxmlformats.org/officeDocument/2006/relationships" xmlns:p="http://schemas.openxmlformats.org/presentationml/2006/main">
-  <p:tag name="_INSTRUCTOR VIEW19C14C36-AC8E-43BC-9DB6-C2AAF774C7DC|PANE__TAG" val="_"/>
-</p:tagLst>
-</file>
-
-<file path=ppt/tags/tag197.xml><?xml version="1.0" encoding="utf-8"?>
-<p:tagLst xmlns:a="http://schemas.openxmlformats.org/drawingml/2006/main" xmlns:r="http://schemas.openxmlformats.org/officeDocument/2006/relationships" xmlns:p="http://schemas.openxmlformats.org/presentationml/2006/main">
-  <p:tag name="_INSTRUCTOR VIEW19C14C36-AC8E-43BC-9DB6-C2AAF774C7DC|PANE__TAG" val="_"/>
-</p:tagLst>
-</file>
-
-<file path=ppt/tags/tag198.xml><?xml version="1.0" encoding="utf-8"?>
-<p:tagLst xmlns:a="http://schemas.openxmlformats.org/drawingml/2006/main" xmlns:r="http://schemas.openxmlformats.org/officeDocument/2006/relationships" xmlns:p="http://schemas.openxmlformats.org/presentationml/2006/main">
-  <p:tag name="_INSTRUCTOR VIEW19C14C36-AC8E-43BC-9DB6-C2AAF774C7DC|PANE__TAG" val="_"/>
-</p:tagLst>
-</file>
-
-<file path=ppt/tags/tag199.xml><?xml version="1.0" encoding="utf-8"?>
-<p:tagLst xmlns:a="http://schemas.openxmlformats.org/drawingml/2006/main" xmlns:r="http://schemas.openxmlformats.org/officeDocument/2006/relationships" xmlns:p="http://schemas.openxmlformats.org/presentationml/2006/main">
-  <p:tag name="_INSTRUCTOR VIEW19C14C36-AC8E-43BC-9DB6-C2AAF774C7DC|PANE__TAG" val="_"/>
-</p:tagLst>
-</file>
-
 <file path=ppt/tags/tag2.xml><?xml version="1.0" encoding="utf-8"?>
 <p:tagLst xmlns:a="http://schemas.openxmlformats.org/drawingml/2006/main" xmlns:r="http://schemas.openxmlformats.org/officeDocument/2006/relationships" xmlns:p="http://schemas.openxmlformats.org/presentationml/2006/main">
   <p:tag name="_INSTRUCTOR VIEW19C14C36-AC8E-43BC-9DB6-C2AAF774C7DC|PANE__TAG" val="_"/>
@@ -16151,18 +14806,6 @@
 </file>
 
 <file path=ppt/tags/tag20.xml><?xml version="1.0" encoding="utf-8"?>
-<p:tagLst xmlns:a="http://schemas.openxmlformats.org/drawingml/2006/main" xmlns:r="http://schemas.openxmlformats.org/officeDocument/2006/relationships" xmlns:p="http://schemas.openxmlformats.org/presentationml/2006/main">
-  <p:tag name="_INSTRUCTOR VIEW19C14C36-AC8E-43BC-9DB6-C2AAF774C7DC|PANE__TAG" val="_"/>
-</p:tagLst>
-</file>
-
-<file path=ppt/tags/tag200.xml><?xml version="1.0" encoding="utf-8"?>
-<p:tagLst xmlns:a="http://schemas.openxmlformats.org/drawingml/2006/main" xmlns:r="http://schemas.openxmlformats.org/officeDocument/2006/relationships" xmlns:p="http://schemas.openxmlformats.org/presentationml/2006/main">
-  <p:tag name="_INSTRUCTOR VIEW19C14C36-AC8E-43BC-9DB6-C2AAF774C7DC|PANE__TAG" val="_"/>
-</p:tagLst>
-</file>
-
-<file path=ppt/tags/tag201.xml><?xml version="1.0" encoding="utf-8"?>
 <p:tagLst xmlns:a="http://schemas.openxmlformats.org/drawingml/2006/main" xmlns:r="http://schemas.openxmlformats.org/officeDocument/2006/relationships" xmlns:p="http://schemas.openxmlformats.org/presentationml/2006/main">
   <p:tag name="_INSTRUCTOR VIEW19C14C36-AC8E-43BC-9DB6-C2AAF774C7DC|PANE__TAG" val="_"/>
 </p:tagLst>

--- a/courses/compilers/lectures/A-overview.pptx
+++ b/courses/compilers/lectures/A-overview.pptx
@@ -5,10 +5,10 @@
     <p:sldMasterId id="2147483784" r:id="rId1"/>
   </p:sldMasterIdLst>
   <p:notesMasterIdLst>
-    <p:notesMasterId r:id="rId37"/>
+    <p:notesMasterId r:id="rId38"/>
   </p:notesMasterIdLst>
   <p:handoutMasterIdLst>
-    <p:handoutMasterId r:id="rId38"/>
+    <p:handoutMasterId r:id="rId39"/>
   </p:handoutMasterIdLst>
   <p:sldIdLst>
     <p:sldId id="256" r:id="rId2"/>
@@ -45,12 +45,13 @@
     <p:sldId id="305" r:id="rId33"/>
     <p:sldId id="345" r:id="rId34"/>
     <p:sldId id="352" r:id="rId35"/>
-    <p:sldId id="299" r:id="rId36"/>
+    <p:sldId id="353" r:id="rId36"/>
+    <p:sldId id="299" r:id="rId37"/>
   </p:sldIdLst>
   <p:sldSz cx="9144000" cy="6858000" type="screen4x3"/>
   <p:notesSz cx="6934200" cy="9220200"/>
   <p:custDataLst>
-    <p:tags r:id="rId39"/>
+    <p:tags r:id="rId40"/>
   </p:custDataLst>
   <p:defaultTextStyle>
     <a:defPPr>
@@ -1818,7 +1819,7 @@
             </a:pPr>
             <a:fld id="{D63896B5-04A6-894D-B9CA-FAEC9540B588}" type="datetime1">
               <a:rPr lang="en-US" smtClean="0"/>
-              <a:t>4/8/19</a:t>
+              <a:t>1/12/20</a:t>
             </a:fld>
             <a:endParaRPr lang="en-US"/>
           </a:p>
@@ -1980,7 +1981,7 @@
             </a:pPr>
             <a:fld id="{44F375B8-4529-704A-A895-9532F0D36785}" type="datetime1">
               <a:rPr lang="en-US" smtClean="0"/>
-              <a:t>4/8/19</a:t>
+              <a:t>1/12/20</a:t>
             </a:fld>
             <a:endParaRPr lang="en-US"/>
           </a:p>
@@ -2152,7 +2153,7 @@
             </a:pPr>
             <a:fld id="{60D1FCB9-18EC-2B4C-9CBC-0768151238E1}" type="datetime1">
               <a:rPr lang="en-US" smtClean="0"/>
-              <a:t>4/8/19</a:t>
+              <a:t>1/12/20</a:t>
             </a:fld>
             <a:endParaRPr lang="en-US"/>
           </a:p>
@@ -2318,7 +2319,7 @@
             </a:pPr>
             <a:fld id="{3F957124-DF84-B547-BB2D-896EECF8AA9C}" type="datetime1">
               <a:rPr lang="en-US" smtClean="0"/>
-              <a:t>4/8/19</a:t>
+              <a:t>1/12/20</a:t>
             </a:fld>
             <a:endParaRPr lang="en-US"/>
           </a:p>
@@ -2557,7 +2558,7 @@
             </a:pPr>
             <a:fld id="{933F6E76-A5B4-9045-8A12-E28496A55F69}" type="datetime1">
               <a:rPr lang="en-US" smtClean="0"/>
-              <a:t>4/8/19</a:t>
+              <a:t>1/12/20</a:t>
             </a:fld>
             <a:endParaRPr lang="en-US"/>
           </a:p>
@@ -2836,7 +2837,7 @@
             </a:pPr>
             <a:fld id="{E5873783-48D3-D141-8B8F-96051454D15A}" type="datetime1">
               <a:rPr lang="en-US" smtClean="0"/>
-              <a:t>4/8/19</a:t>
+              <a:t>1/12/20</a:t>
             </a:fld>
             <a:endParaRPr lang="en-US"/>
           </a:p>
@@ -3249,7 +3250,7 @@
             </a:pPr>
             <a:fld id="{FE22DBD2-8E4A-A44E-8636-4CD063BE2B19}" type="datetime1">
               <a:rPr lang="en-US" smtClean="0"/>
-              <a:t>4/8/19</a:t>
+              <a:t>1/12/20</a:t>
             </a:fld>
             <a:endParaRPr lang="en-US"/>
           </a:p>
@@ -3360,7 +3361,7 @@
             </a:pPr>
             <a:fld id="{6D662F23-7907-9743-BC06-9520F60FD1CB}" type="datetime1">
               <a:rPr lang="en-US" smtClean="0"/>
-              <a:t>4/8/19</a:t>
+              <a:t>1/12/20</a:t>
             </a:fld>
             <a:endParaRPr lang="en-US"/>
           </a:p>
@@ -3449,7 +3450,7 @@
             </a:pPr>
             <a:fld id="{E22FDDFC-32C8-CC48-A2F3-0DC544BEB9F0}" type="datetime1">
               <a:rPr lang="en-US" smtClean="0"/>
-              <a:t>4/8/19</a:t>
+              <a:t>1/12/20</a:t>
             </a:fld>
             <a:endParaRPr lang="en-US"/>
           </a:p>
@@ -3718,7 +3719,7 @@
             </a:pPr>
             <a:fld id="{F696C090-C150-B24D-8740-2780F91E820E}" type="datetime1">
               <a:rPr lang="en-US" smtClean="0"/>
-              <a:t>4/8/19</a:t>
+              <a:t>1/12/20</a:t>
             </a:fld>
             <a:endParaRPr lang="en-US"/>
           </a:p>
@@ -3964,7 +3965,7 @@
             </a:pPr>
             <a:fld id="{24AF1572-4921-D845-869B-9E96D8F17248}" type="datetime1">
               <a:rPr lang="en-US" smtClean="0"/>
-              <a:t>4/8/19</a:t>
+              <a:t>1/12/20</a:t>
             </a:fld>
             <a:endParaRPr lang="en-US"/>
           </a:p>
@@ -4169,7 +4170,7 @@
             </a:pPr>
             <a:fld id="{02F36310-5B19-0741-AB52-4BEDD927A94A}" type="datetime1">
               <a:rPr lang="en-US" smtClean="0"/>
-              <a:t>4/8/19</a:t>
+              <a:t>1/12/20</a:t>
             </a:fld>
             <a:endParaRPr lang="en-US"/>
           </a:p>
@@ -12914,6 +12915,161 @@
       </p:grpSpPr>
       <p:sp>
         <p:nvSpPr>
+          <p:cNvPr id="2" name="Title 1">
+            <a:extLst>
+              <a:ext uri="{FF2B5EF4-FFF2-40B4-BE49-F238E27FC236}">
+                <a16:creationId xmlns:a16="http://schemas.microsoft.com/office/drawing/2014/main" id="{1C9BF3BC-9B0C-7245-9967-3E2F56D31B5D}"/>
+              </a:ext>
+            </a:extLst>
+          </p:cNvPr>
+          <p:cNvSpPr>
+            <a:spLocks noGrp="1"/>
+          </p:cNvSpPr>
+          <p:nvPr>
+            <p:ph type="title"/>
+          </p:nvPr>
+        </p:nvSpPr>
+        <p:spPr/>
+        <p:txBody>
+          <a:bodyPr/>
+          <a:lstStyle/>
+          <a:p>
+            <a:r>
+              <a:rPr lang="en-US" dirty="0"/>
+              <a:t>Web Textbook</a:t>
+            </a:r>
+          </a:p>
+        </p:txBody>
+      </p:sp>
+      <p:sp>
+        <p:nvSpPr>
+          <p:cNvPr id="3" name="Content Placeholder 2">
+            <a:extLst>
+              <a:ext uri="{FF2B5EF4-FFF2-40B4-BE49-F238E27FC236}">
+                <a16:creationId xmlns:a16="http://schemas.microsoft.com/office/drawing/2014/main" id="{FBBD3917-7860-DA47-89D9-517F2F3F3FE0}"/>
+              </a:ext>
+            </a:extLst>
+          </p:cNvPr>
+          <p:cNvSpPr>
+            <a:spLocks noGrp="1"/>
+          </p:cNvSpPr>
+          <p:nvPr>
+            <p:ph idx="1"/>
+          </p:nvPr>
+        </p:nvSpPr>
+        <p:spPr/>
+        <p:txBody>
+          <a:bodyPr/>
+          <a:lstStyle/>
+          <a:p>
+            <a:r>
+              <a:rPr lang="en-US" dirty="0" err="1"/>
+              <a:t>CraftingInterpreters.com</a:t>
+            </a:r>
+            <a:endParaRPr lang="en-US" dirty="0"/>
+          </a:p>
+          <a:p>
+            <a:r>
+              <a:rPr lang="en-US" dirty="0"/>
+              <a:t>Bob Nystrom works at Google on the Dart programming language</a:t>
+            </a:r>
+          </a:p>
+          <a:p>
+            <a:r>
+              <a:rPr lang="en-US" dirty="0"/>
+              <a:t>He has been building this textbook on interpreters on the web for several years</a:t>
+            </a:r>
+          </a:p>
+          <a:p>
+            <a:r>
+              <a:rPr lang="en-US" dirty="0"/>
+              <a:t>We will use it as a guide for practical portions of our class</a:t>
+            </a:r>
+          </a:p>
+          <a:p>
+            <a:r>
+              <a:rPr lang="en-US" dirty="0"/>
+              <a:t>Lox </a:t>
+            </a:r>
+            <a:r>
+              <a:rPr lang="en-US"/>
+              <a:t>programming language</a:t>
+            </a:r>
+            <a:endParaRPr lang="en-US" dirty="0"/>
+          </a:p>
+        </p:txBody>
+      </p:sp>
+      <p:sp>
+        <p:nvSpPr>
+          <p:cNvPr id="4" name="Slide Number Placeholder 3">
+            <a:extLst>
+              <a:ext uri="{FF2B5EF4-FFF2-40B4-BE49-F238E27FC236}">
+                <a16:creationId xmlns:a16="http://schemas.microsoft.com/office/drawing/2014/main" id="{F7080C96-DE37-CF42-BB16-6AB205A705C4}"/>
+              </a:ext>
+            </a:extLst>
+          </p:cNvPr>
+          <p:cNvSpPr>
+            <a:spLocks noGrp="1"/>
+          </p:cNvSpPr>
+          <p:nvPr>
+            <p:ph type="sldNum" sz="quarter" idx="12"/>
+          </p:nvPr>
+        </p:nvSpPr>
+        <p:spPr/>
+        <p:txBody>
+          <a:bodyPr/>
+          <a:lstStyle/>
+          <a:p>
+            <a:pPr>
+              <a:defRPr/>
+            </a:pPr>
+            <a:r>
+              <a:rPr lang="en-US"/>
+              <a:t>A-</a:t>
+            </a:r>
+            <a:fld id="{002AD64E-618B-41CB-865B-DB6E4FCC0BC5}" type="slidenum">
+              <a:rPr lang="en-US" smtClean="0"/>
+              <a:pPr>
+                <a:defRPr/>
+              </a:pPr>
+              <a:t>35</a:t>
+            </a:fld>
+            <a:endParaRPr lang="en-US"/>
+          </a:p>
+        </p:txBody>
+      </p:sp>
+    </p:spTree>
+    <p:extLst>
+      <p:ext uri="{BB962C8B-B14F-4D97-AF65-F5344CB8AC3E}">
+        <p14:creationId xmlns:p14="http://schemas.microsoft.com/office/powerpoint/2010/main" val="1494411346"/>
+      </p:ext>
+    </p:extLst>
+  </p:cSld>
+  <p:clrMapOvr>
+    <a:masterClrMapping/>
+  </p:clrMapOvr>
+</p:sld>
+</file>
+
+<file path=ppt/slides/slide36.xml><?xml version="1.0" encoding="utf-8"?>
+<p:sld xmlns:a="http://schemas.openxmlformats.org/drawingml/2006/main" xmlns:r="http://schemas.openxmlformats.org/officeDocument/2006/relationships" xmlns:p="http://schemas.openxmlformats.org/presentationml/2006/main">
+  <p:cSld>
+    <p:spTree>
+      <p:nvGrpSpPr>
+        <p:cNvPr id="1" name=""/>
+        <p:cNvGrpSpPr/>
+        <p:nvPr/>
+      </p:nvGrpSpPr>
+      <p:grpSpPr>
+        <a:xfrm>
+          <a:off x="0" y="0"/>
+          <a:ext cx="0" cy="0"/>
+          <a:chOff x="0" y="0"/>
+          <a:chExt cx="0" cy="0"/>
+        </a:xfrm>
+      </p:grpSpPr>
+      <p:sp>
+        <p:nvSpPr>
           <p:cNvPr id="48133" name="Rectangle 2"/>
           <p:cNvSpPr>
             <a:spLocks noGrp="1" noChangeArrowheads="1"/>
@@ -12973,27 +13129,13 @@
             <a:pPr eaLnBrk="1" hangingPunct="1"/>
             <a:r>
               <a:rPr lang="en-US" dirty="0"/>
-              <a:t>Followed by parsing …</a:t>
-            </a:r>
-          </a:p>
-          <a:p>
-            <a:pPr eaLnBrk="1" hangingPunct="1"/>
+              <a:t>Followed by </a:t>
+            </a:r>
+            <a:r>
+              <a:rPr lang="en-US"/>
+              <a:t>parsing …</a:t>
+            </a:r>
             <a:endParaRPr lang="en-US" dirty="0"/>
-          </a:p>
-          <a:p>
-            <a:pPr eaLnBrk="1" hangingPunct="1"/>
-            <a:r>
-              <a:rPr lang="en-US" dirty="0"/>
-              <a:t>Read </a:t>
-            </a:r>
-            <a:r>
-              <a:rPr lang="en-US" dirty="0" err="1"/>
-              <a:t>ch.</a:t>
-            </a:r>
-            <a:r>
-              <a:rPr lang="en-US" dirty="0"/>
-              <a:t> 1, 2.1-2.4 in EAC or corresponding chapters in other books</a:t>
-            </a:r>
           </a:p>
         </p:txBody>
       </p:sp>
@@ -13024,7 +13166,7 @@
             <a:fld id="{88C4D780-3C3B-4BC2-9154-B5B5D73F0D52}" type="slidenum">
               <a:rPr lang="en-US" smtClean="0"/>
               <a:pPr/>
-              <a:t>35</a:t>
+              <a:t>36</a:t>
             </a:fld>
             <a:endParaRPr lang="en-US"/>
           </a:p>
